--- a/pic/系统设计简图.pptx
+++ b/pic/系统设计简图.pptx
@@ -197,7 +197,7 @@
           <a:p>
             <a:fld id="{F7451BC5-8AC2-485C-AB9E-A164A9485D94}" type="datetimeFigureOut">
               <a:rPr lang="zh-CN" altLang="en-US" smtClean="0"/>
-              <a:t>2019/6/25</a:t>
+              <a:t>2019/6/26</a:t>
             </a:fld>
             <a:endParaRPr lang="zh-CN" altLang="en-US"/>
           </a:p>
@@ -695,7 +695,7 @@
           <a:p>
             <a:fld id="{E563215F-1B0C-42D9-87D4-445D022E5F64}" type="datetimeFigureOut">
               <a:rPr lang="zh-CN" altLang="en-US" smtClean="0"/>
-              <a:t>2019/6/25</a:t>
+              <a:t>2019/6/26</a:t>
             </a:fld>
             <a:endParaRPr lang="zh-CN" altLang="en-US"/>
           </a:p>
@@ -893,7 +893,7 @@
           <a:p>
             <a:fld id="{E563215F-1B0C-42D9-87D4-445D022E5F64}" type="datetimeFigureOut">
               <a:rPr lang="zh-CN" altLang="en-US" smtClean="0"/>
-              <a:t>2019/6/25</a:t>
+              <a:t>2019/6/26</a:t>
             </a:fld>
             <a:endParaRPr lang="zh-CN" altLang="en-US"/>
           </a:p>
@@ -1101,7 +1101,7 @@
           <a:p>
             <a:fld id="{E563215F-1B0C-42D9-87D4-445D022E5F64}" type="datetimeFigureOut">
               <a:rPr lang="zh-CN" altLang="en-US" smtClean="0"/>
-              <a:t>2019/6/25</a:t>
+              <a:t>2019/6/26</a:t>
             </a:fld>
             <a:endParaRPr lang="zh-CN" altLang="en-US"/>
           </a:p>
@@ -1299,7 +1299,7 @@
           <a:p>
             <a:fld id="{E563215F-1B0C-42D9-87D4-445D022E5F64}" type="datetimeFigureOut">
               <a:rPr lang="zh-CN" altLang="en-US" smtClean="0"/>
-              <a:t>2019/6/25</a:t>
+              <a:t>2019/6/26</a:t>
             </a:fld>
             <a:endParaRPr lang="zh-CN" altLang="en-US"/>
           </a:p>
@@ -1574,7 +1574,7 @@
           <a:p>
             <a:fld id="{E563215F-1B0C-42D9-87D4-445D022E5F64}" type="datetimeFigureOut">
               <a:rPr lang="zh-CN" altLang="en-US" smtClean="0"/>
-              <a:t>2019/6/25</a:t>
+              <a:t>2019/6/26</a:t>
             </a:fld>
             <a:endParaRPr lang="zh-CN" altLang="en-US"/>
           </a:p>
@@ -1839,7 +1839,7 @@
           <a:p>
             <a:fld id="{E563215F-1B0C-42D9-87D4-445D022E5F64}" type="datetimeFigureOut">
               <a:rPr lang="zh-CN" altLang="en-US" smtClean="0"/>
-              <a:t>2019/6/25</a:t>
+              <a:t>2019/6/26</a:t>
             </a:fld>
             <a:endParaRPr lang="zh-CN" altLang="en-US"/>
           </a:p>
@@ -2251,7 +2251,7 @@
           <a:p>
             <a:fld id="{E563215F-1B0C-42D9-87D4-445D022E5F64}" type="datetimeFigureOut">
               <a:rPr lang="zh-CN" altLang="en-US" smtClean="0"/>
-              <a:t>2019/6/25</a:t>
+              <a:t>2019/6/26</a:t>
             </a:fld>
             <a:endParaRPr lang="zh-CN" altLang="en-US"/>
           </a:p>
@@ -2392,7 +2392,7 @@
           <a:p>
             <a:fld id="{E563215F-1B0C-42D9-87D4-445D022E5F64}" type="datetimeFigureOut">
               <a:rPr lang="zh-CN" altLang="en-US" smtClean="0"/>
-              <a:t>2019/6/25</a:t>
+              <a:t>2019/6/26</a:t>
             </a:fld>
             <a:endParaRPr lang="zh-CN" altLang="en-US"/>
           </a:p>
@@ -2505,7 +2505,7 @@
           <a:p>
             <a:fld id="{E563215F-1B0C-42D9-87D4-445D022E5F64}" type="datetimeFigureOut">
               <a:rPr lang="zh-CN" altLang="en-US" smtClean="0"/>
-              <a:t>2019/6/25</a:t>
+              <a:t>2019/6/26</a:t>
             </a:fld>
             <a:endParaRPr lang="zh-CN" altLang="en-US"/>
           </a:p>
@@ -2816,7 +2816,7 @@
           <a:p>
             <a:fld id="{E563215F-1B0C-42D9-87D4-445D022E5F64}" type="datetimeFigureOut">
               <a:rPr lang="zh-CN" altLang="en-US" smtClean="0"/>
-              <a:t>2019/6/25</a:t>
+              <a:t>2019/6/26</a:t>
             </a:fld>
             <a:endParaRPr lang="zh-CN" altLang="en-US"/>
           </a:p>
@@ -3104,7 +3104,7 @@
           <a:p>
             <a:fld id="{E563215F-1B0C-42D9-87D4-445D022E5F64}" type="datetimeFigureOut">
               <a:rPr lang="zh-CN" altLang="en-US" smtClean="0"/>
-              <a:t>2019/6/25</a:t>
+              <a:t>2019/6/26</a:t>
             </a:fld>
             <a:endParaRPr lang="zh-CN" altLang="en-US"/>
           </a:p>
@@ -3345,7 +3345,7 @@
           <a:p>
             <a:fld id="{E563215F-1B0C-42D9-87D4-445D022E5F64}" type="datetimeFigureOut">
               <a:rPr lang="zh-CN" altLang="en-US" smtClean="0"/>
-              <a:t>2019/6/25</a:t>
+              <a:t>2019/6/26</a:t>
             </a:fld>
             <a:endParaRPr lang="zh-CN" altLang="en-US"/>
           </a:p>
@@ -3776,8 +3776,8 @@
         </p:nvSpPr>
         <p:spPr>
           <a:xfrm>
-            <a:off x="377700" y="1821669"/>
-            <a:ext cx="7184803" cy="4261690"/>
+            <a:off x="377700" y="1821668"/>
+            <a:ext cx="8547225" cy="4737881"/>
           </a:xfrm>
           <a:prstGeom prst="roundRect">
             <a:avLst/>
@@ -3834,15 +3834,15 @@
         </p:nvSpPr>
         <p:spPr>
           <a:xfrm>
-            <a:off x="659143" y="2492929"/>
-            <a:ext cx="3409821" cy="1428763"/>
+            <a:off x="659145" y="2492929"/>
+            <a:ext cx="2974644" cy="1428763"/>
           </a:xfrm>
           <a:prstGeom prst="round1Rect">
             <a:avLst/>
           </a:prstGeom>
           <a:solidFill>
             <a:srgbClr val="FFFF66">
-              <a:alpha val="75000"/>
+              <a:alpha val="70000"/>
             </a:srgbClr>
           </a:solidFill>
           <a:ln>
@@ -3876,7 +3876,7 @@
                   <a:schemeClr val="tx2"/>
                 </a:solidFill>
               </a:rPr>
-              <a:t>Real-Time Module</a:t>
+              <a:t>Real-Time Module (Kafka)</a:t>
             </a:r>
             <a:endParaRPr lang="zh-CN" altLang="en-US" sz="1400" b="1" dirty="0">
               <a:solidFill>
@@ -3886,54 +3886,6 @@
           </a:p>
         </p:txBody>
       </p:sp>
-      <p:cxnSp>
-        <p:nvCxnSpPr>
-          <p:cNvPr id="124" name="连接符: 肘形 123">
-            <a:extLst>
-              <a:ext uri="{FF2B5EF4-FFF2-40B4-BE49-F238E27FC236}">
-                <a16:creationId xmlns:a16="http://schemas.microsoft.com/office/drawing/2014/main" id="{A10AA12F-FB27-4328-85BC-C738E2251DD1}"/>
-              </a:ext>
-            </a:extLst>
-          </p:cNvPr>
-          <p:cNvCxnSpPr>
-            <a:cxnSpLocks/>
-            <a:stCxn id="99" idx="3"/>
-            <a:endCxn id="152" idx="2"/>
-          </p:cNvCxnSpPr>
-          <p:nvPr/>
-        </p:nvCxnSpPr>
-        <p:spPr>
-          <a:xfrm>
-            <a:off x="4000779" y="3367771"/>
-            <a:ext cx="2516301" cy="709197"/>
-          </a:xfrm>
-          <a:prstGeom prst="bentConnector3">
-            <a:avLst>
-              <a:gd name="adj1" fmla="val 50000"/>
-            </a:avLst>
-          </a:prstGeom>
-          <a:ln w="44450">
-            <a:solidFill>
-              <a:srgbClr val="002060"/>
-            </a:solidFill>
-            <a:tailEnd type="triangle"/>
-          </a:ln>
-        </p:spPr>
-        <p:style>
-          <a:lnRef idx="1">
-            <a:schemeClr val="accent1"/>
-          </a:lnRef>
-          <a:fillRef idx="0">
-            <a:schemeClr val="accent1"/>
-          </a:fillRef>
-          <a:effectRef idx="0">
-            <a:schemeClr val="accent1"/>
-          </a:effectRef>
-          <a:fontRef idx="minor">
-            <a:schemeClr val="tx1"/>
-          </a:fontRef>
-        </p:style>
-      </p:cxnSp>
       <p:sp>
         <p:nvSpPr>
           <p:cNvPr id="273" name="箭头: 下 272">
@@ -3948,8 +3900,8 @@
         </p:nvSpPr>
         <p:spPr>
           <a:xfrm rot="16200000">
-            <a:off x="4867557" y="2844837"/>
-            <a:ext cx="419368" cy="2044894"/>
+            <a:off x="2991332" y="3002461"/>
+            <a:ext cx="375303" cy="2044894"/>
           </a:xfrm>
           <a:prstGeom prst="downArrow">
             <a:avLst/>
@@ -4014,8 +3966,8 @@
         </p:nvSpPr>
         <p:spPr>
           <a:xfrm rot="16200000">
-            <a:off x="2965602" y="3484706"/>
-            <a:ext cx="426761" cy="4651310"/>
+            <a:off x="2929790" y="4045454"/>
+            <a:ext cx="498387" cy="4651310"/>
           </a:xfrm>
           <a:prstGeom prst="downArrow">
             <a:avLst/>
@@ -4080,8 +4032,8 @@
         </p:nvSpPr>
         <p:spPr>
           <a:xfrm>
-            <a:off x="377700" y="109101"/>
-            <a:ext cx="7184803" cy="1263715"/>
+            <a:off x="377700" y="1"/>
+            <a:ext cx="7184803" cy="1372816"/>
           </a:xfrm>
           <a:prstGeom prst="roundRect">
             <a:avLst/>
@@ -4117,7 +4069,7 @@
           <a:p>
             <a:pPr algn="ctr"/>
             <a:r>
-              <a:rPr lang="en-US" altLang="zh-CN" sz="1600" b="1"/>
+              <a:rPr lang="en-US" altLang="zh-CN" sz="1600" b="1" dirty="0"/>
               <a:t>Web Frontend</a:t>
             </a:r>
             <a:endParaRPr lang="zh-CN" altLang="en-US" sz="1600" b="1" dirty="0"/>
@@ -4146,7 +4098,7 @@
           </a:prstGeom>
           <a:solidFill>
             <a:srgbClr val="FFFF66">
-              <a:alpha val="75000"/>
+              <a:alpha val="70000"/>
             </a:srgbClr>
           </a:solidFill>
           <a:ln>
@@ -4212,7 +4164,7 @@
           </a:prstGeom>
           <a:solidFill>
             <a:srgbClr val="FFFF66">
-              <a:alpha val="75000"/>
+              <a:alpha val="70000"/>
             </a:srgbClr>
           </a:solidFill>
           <a:ln>
@@ -4270,15 +4222,15 @@
         </p:nvSpPr>
         <p:spPr>
           <a:xfrm>
-            <a:off x="659143" y="4134909"/>
-            <a:ext cx="5236832" cy="1456713"/>
+            <a:off x="659143" y="4253020"/>
+            <a:ext cx="4651311" cy="1897046"/>
           </a:xfrm>
           <a:prstGeom prst="round1Rect">
             <a:avLst/>
           </a:prstGeom>
           <a:solidFill>
             <a:srgbClr val="FFFF66">
-              <a:alpha val="75000"/>
+              <a:alpha val="70000"/>
             </a:srgbClr>
           </a:solidFill>
           <a:ln>
@@ -4340,18 +4292,18 @@
         </p:nvCxnSpPr>
         <p:spPr>
           <a:xfrm rot="5400000">
-            <a:off x="-938084" y="3049665"/>
-            <a:ext cx="3942674" cy="376097"/>
+            <a:off x="-977194" y="3027709"/>
+            <a:ext cx="3959828" cy="437163"/>
           </a:xfrm>
           <a:prstGeom prst="bentConnector4">
             <a:avLst>
-              <a:gd name="adj1" fmla="val 9094"/>
-              <a:gd name="adj2" fmla="val 176991"/>
+              <a:gd name="adj1" fmla="val 6530"/>
+              <a:gd name="adj2" fmla="val 184975"/>
             </a:avLst>
           </a:prstGeom>
-          <a:ln w="44450">
+          <a:ln w="57150">
             <a:solidFill>
-              <a:srgbClr val="002060"/>
+              <a:srgbClr val="FF0000"/>
             </a:solidFill>
             <a:tailEnd type="triangle"/>
           </a:ln>
@@ -4385,8 +4337,8 @@
         </p:nvSpPr>
         <p:spPr>
           <a:xfrm>
-            <a:off x="3707246" y="4598048"/>
-            <a:ext cx="1874979" cy="915676"/>
+            <a:off x="2938221" y="4917982"/>
+            <a:ext cx="2112529" cy="915676"/>
           </a:xfrm>
           <a:prstGeom prst="rect">
             <a:avLst/>
@@ -4443,10 +4395,308 @@
         </p:nvSpPr>
         <p:spPr>
           <a:xfrm>
-            <a:off x="2811295" y="5021691"/>
+            <a:off x="1704982" y="5688634"/>
             <a:ext cx="699908" cy="375303"/>
           </a:xfrm>
           <a:prstGeom prst="snip2DiagRect">
+            <a:avLst/>
+          </a:prstGeom>
+          <a:solidFill>
+            <a:srgbClr val="ED7D31"/>
+          </a:solidFill>
+          <a:ln>
+            <a:solidFill>
+              <a:srgbClr val="FFC000"/>
+            </a:solidFill>
+          </a:ln>
+        </p:spPr>
+        <p:style>
+          <a:lnRef idx="2">
+            <a:schemeClr val="accent1">
+              <a:shade val="50000"/>
+            </a:schemeClr>
+          </a:lnRef>
+          <a:fillRef idx="1">
+            <a:schemeClr val="accent1"/>
+          </a:fillRef>
+          <a:effectRef idx="0">
+            <a:schemeClr val="accent1"/>
+          </a:effectRef>
+          <a:fontRef idx="minor">
+            <a:schemeClr val="lt1"/>
+          </a:fontRef>
+        </p:style>
+        <p:txBody>
+          <a:bodyPr rtlCol="0" anchor="ctr"/>
+          <a:lstStyle/>
+          <a:p>
+            <a:pPr algn="ctr"/>
+            <a:r>
+              <a:rPr lang="en-US" altLang="zh-CN" sz="1400" dirty="0"/>
+              <a:t>Beam</a:t>
+            </a:r>
+            <a:endParaRPr lang="zh-CN" altLang="en-US" sz="1400" dirty="0"/>
+          </a:p>
+        </p:txBody>
+      </p:sp>
+      <p:cxnSp>
+        <p:nvCxnSpPr>
+          <p:cNvPr id="70" name="连接符: 肘形 69">
+            <a:extLst>
+              <a:ext uri="{FF2B5EF4-FFF2-40B4-BE49-F238E27FC236}">
+                <a16:creationId xmlns:a16="http://schemas.microsoft.com/office/drawing/2014/main" id="{E337E172-FEC6-4004-81E2-4F1314169F1F}"/>
+              </a:ext>
+            </a:extLst>
+          </p:cNvPr>
+          <p:cNvCxnSpPr>
+            <a:cxnSpLocks/>
+            <a:stCxn id="306" idx="1"/>
+            <a:endCxn id="99" idx="1"/>
+          </p:cNvCxnSpPr>
+          <p:nvPr/>
+        </p:nvCxnSpPr>
+        <p:spPr>
+          <a:xfrm rot="5400000">
+            <a:off x="676331" y="1329820"/>
+            <a:ext cx="2134036" cy="1921463"/>
+          </a:xfrm>
+          <a:prstGeom prst="bentConnector4">
+            <a:avLst>
+              <a:gd name="adj1" fmla="val 25127"/>
+              <a:gd name="adj2" fmla="val 111848"/>
+            </a:avLst>
+          </a:prstGeom>
+          <a:ln w="57150">
+            <a:solidFill>
+              <a:srgbClr val="FF0000"/>
+            </a:solidFill>
+            <a:tailEnd type="triangle"/>
+          </a:ln>
+        </p:spPr>
+        <p:style>
+          <a:lnRef idx="1">
+            <a:schemeClr val="accent1"/>
+          </a:lnRef>
+          <a:fillRef idx="0">
+            <a:schemeClr val="accent1"/>
+          </a:fillRef>
+          <a:effectRef idx="0">
+            <a:schemeClr val="accent1"/>
+          </a:effectRef>
+          <a:fontRef idx="minor">
+            <a:schemeClr val="tx1"/>
+          </a:fontRef>
+        </p:style>
+      </p:cxnSp>
+      <p:sp>
+        <p:nvSpPr>
+          <p:cNvPr id="99" name="矩形 98">
+            <a:extLst>
+              <a:ext uri="{FF2B5EF4-FFF2-40B4-BE49-F238E27FC236}">
+                <a16:creationId xmlns:a16="http://schemas.microsoft.com/office/drawing/2014/main" id="{11E8778A-1D62-45B7-BCC1-8164DD8A518E}"/>
+              </a:ext>
+            </a:extLst>
+          </p:cNvPr>
+          <p:cNvSpPr/>
+          <p:nvPr/>
+        </p:nvSpPr>
+        <p:spPr>
+          <a:xfrm>
+            <a:off x="782617" y="2829377"/>
+            <a:ext cx="2599053" cy="1056384"/>
+          </a:xfrm>
+          <a:prstGeom prst="rect">
+            <a:avLst/>
+          </a:prstGeom>
+          <a:solidFill>
+            <a:srgbClr val="002060">
+              <a:alpha val="60000"/>
+            </a:srgbClr>
+          </a:solidFill>
+          <a:ln w="12700">
+            <a:noFill/>
+          </a:ln>
+        </p:spPr>
+        <p:style>
+          <a:lnRef idx="2">
+            <a:schemeClr val="accent1">
+              <a:shade val="50000"/>
+            </a:schemeClr>
+          </a:lnRef>
+          <a:fillRef idx="1">
+            <a:schemeClr val="accent1"/>
+          </a:fillRef>
+          <a:effectRef idx="0">
+            <a:schemeClr val="accent1"/>
+          </a:effectRef>
+          <a:fontRef idx="minor">
+            <a:schemeClr val="lt1"/>
+          </a:fontRef>
+        </p:style>
+        <p:txBody>
+          <a:bodyPr rtlCol="0" anchor="t" anchorCtr="0"/>
+          <a:lstStyle/>
+          <a:p>
+            <a:pPr algn="ctr"/>
+            <a:r>
+              <a:rPr lang="en-US" altLang="zh-CN" sz="1400" b="1" dirty="0"/>
+              <a:t>Stream Processing: </a:t>
+            </a:r>
+          </a:p>
+          <a:p>
+            <a:pPr algn="ctr"/>
+            <a:r>
+              <a:rPr lang="en-US" altLang="zh-CN" sz="1100" b="1" dirty="0"/>
+              <a:t>(</a:t>
+            </a:r>
+            <a:r>
+              <a:rPr lang="en-US" altLang="zh-CN" sz="1100" b="1" u="sng" dirty="0"/>
+              <a:t>LBS &amp; Real-Time</a:t>
+            </a:r>
+            <a:r>
+              <a:rPr lang="en-US" altLang="zh-CN" sz="1100" b="1" dirty="0"/>
+              <a:t>)</a:t>
+            </a:r>
+            <a:endParaRPr lang="zh-CN" altLang="en-US" sz="1100" b="1" dirty="0"/>
+          </a:p>
+        </p:txBody>
+      </p:sp>
+      <p:sp>
+        <p:nvSpPr>
+          <p:cNvPr id="101" name="矩形 100">
+            <a:extLst>
+              <a:ext uri="{FF2B5EF4-FFF2-40B4-BE49-F238E27FC236}">
+                <a16:creationId xmlns:a16="http://schemas.microsoft.com/office/drawing/2014/main" id="{C95E03E9-E2E2-4D39-9BF3-DFA5677A39CA}"/>
+              </a:ext>
+            </a:extLst>
+          </p:cNvPr>
+          <p:cNvSpPr/>
+          <p:nvPr/>
+        </p:nvSpPr>
+        <p:spPr>
+          <a:xfrm>
+            <a:off x="853327" y="3310878"/>
+            <a:ext cx="1123531" cy="512170"/>
+          </a:xfrm>
+          <a:prstGeom prst="rect">
+            <a:avLst/>
+          </a:prstGeom>
+          <a:solidFill>
+            <a:srgbClr val="002060">
+              <a:alpha val="90000"/>
+            </a:srgbClr>
+          </a:solidFill>
+        </p:spPr>
+        <p:style>
+          <a:lnRef idx="2">
+            <a:schemeClr val="accent1">
+              <a:shade val="50000"/>
+            </a:schemeClr>
+          </a:lnRef>
+          <a:fillRef idx="1">
+            <a:schemeClr val="accent1"/>
+          </a:fillRef>
+          <a:effectRef idx="0">
+            <a:schemeClr val="accent1"/>
+          </a:effectRef>
+          <a:fontRef idx="minor">
+            <a:schemeClr val="lt1"/>
+          </a:fontRef>
+        </p:style>
+        <p:txBody>
+          <a:bodyPr rtlCol="0" anchor="ctr"/>
+          <a:lstStyle/>
+          <a:p>
+            <a:pPr algn="ctr"/>
+            <a:r>
+              <a:rPr lang="en-US" altLang="zh-CN" sz="1100" b="1" dirty="0"/>
+              <a:t>Store Stream</a:t>
+            </a:r>
+            <a:endParaRPr lang="zh-CN" altLang="en-US" sz="1050" b="1" dirty="0"/>
+          </a:p>
+        </p:txBody>
+      </p:sp>
+      <p:sp>
+        <p:nvSpPr>
+          <p:cNvPr id="105" name="矩形 104">
+            <a:extLst>
+              <a:ext uri="{FF2B5EF4-FFF2-40B4-BE49-F238E27FC236}">
+                <a16:creationId xmlns:a16="http://schemas.microsoft.com/office/drawing/2014/main" id="{AEFF497A-F3AA-490B-B28D-84471586999D}"/>
+              </a:ext>
+            </a:extLst>
+          </p:cNvPr>
+          <p:cNvSpPr/>
+          <p:nvPr/>
+        </p:nvSpPr>
+        <p:spPr>
+          <a:xfrm>
+            <a:off x="2186744" y="3305455"/>
+            <a:ext cx="1123531" cy="512170"/>
+          </a:xfrm>
+          <a:prstGeom prst="rect">
+            <a:avLst/>
+          </a:prstGeom>
+          <a:solidFill>
+            <a:srgbClr val="002060">
+              <a:alpha val="90000"/>
+            </a:srgbClr>
+          </a:solidFill>
+        </p:spPr>
+        <p:style>
+          <a:lnRef idx="2">
+            <a:schemeClr val="accent1">
+              <a:shade val="50000"/>
+            </a:schemeClr>
+          </a:lnRef>
+          <a:fillRef idx="1">
+            <a:schemeClr val="accent1"/>
+          </a:fillRef>
+          <a:effectRef idx="0">
+            <a:schemeClr val="accent1"/>
+          </a:effectRef>
+          <a:fontRef idx="minor">
+            <a:schemeClr val="lt1"/>
+          </a:fontRef>
+        </p:style>
+        <p:txBody>
+          <a:bodyPr rtlCol="0" anchor="ctr"/>
+          <a:lstStyle/>
+          <a:p>
+            <a:pPr algn="ctr"/>
+            <a:r>
+              <a:rPr lang="en-US" altLang="zh-CN" sz="1100" b="1" dirty="0"/>
+              <a:t>Filtering</a:t>
+            </a:r>
+            <a:r>
+              <a:rPr lang="en-US" altLang="zh-CN" sz="1050" b="1" dirty="0"/>
+              <a:t> </a:t>
+            </a:r>
+            <a:r>
+              <a:rPr lang="en-US" altLang="zh-CN" sz="1100" b="1" dirty="0"/>
+              <a:t>Logic</a:t>
+            </a:r>
+            <a:endParaRPr lang="zh-CN" altLang="en-US" sz="1050" b="1" dirty="0"/>
+          </a:p>
+        </p:txBody>
+      </p:sp>
+      <p:sp>
+        <p:nvSpPr>
+          <p:cNvPr id="129" name="矩形: 剪去左右顶角 128">
+            <a:extLst>
+              <a:ext uri="{FF2B5EF4-FFF2-40B4-BE49-F238E27FC236}">
+                <a16:creationId xmlns:a16="http://schemas.microsoft.com/office/drawing/2014/main" id="{DD567FB5-699E-4B74-9976-98D1A321DB32}"/>
+              </a:ext>
+            </a:extLst>
+          </p:cNvPr>
+          <p:cNvSpPr/>
+          <p:nvPr/>
+        </p:nvSpPr>
+        <p:spPr>
+          <a:xfrm>
+            <a:off x="6773018" y="4712960"/>
+            <a:ext cx="754988" cy="375303"/>
+          </a:xfrm>
+          <a:prstGeom prst="snip2SameRect">
             <a:avLst/>
           </a:prstGeom>
           <a:solidFill>
@@ -4485,39 +4735,36 @@
           <a:p>
             <a:pPr algn="ctr"/>
             <a:r>
-              <a:rPr lang="en-US" altLang="zh-CN" sz="1400" dirty="0"/>
-              <a:t>Beam</a:t>
-            </a:r>
-            <a:endParaRPr lang="zh-CN" altLang="en-US" sz="1400" dirty="0"/>
+              <a:rPr lang="en-US" altLang="zh-CN" sz="1100" dirty="0"/>
+              <a:t>Merge Logic-1</a:t>
+            </a:r>
+            <a:endParaRPr lang="zh-CN" altLang="en-US" sz="1100" dirty="0"/>
           </a:p>
         </p:txBody>
       </p:sp>
       <p:cxnSp>
         <p:nvCxnSpPr>
-          <p:cNvPr id="70" name="连接符: 肘形 69">
-            <a:extLst>
-              <a:ext uri="{FF2B5EF4-FFF2-40B4-BE49-F238E27FC236}">
-                <a16:creationId xmlns:a16="http://schemas.microsoft.com/office/drawing/2014/main" id="{E337E172-FEC6-4004-81E2-4F1314169F1F}"/>
+          <p:cNvPr id="130" name="连接符: 肘形 129">
+            <a:extLst>
+              <a:ext uri="{FF2B5EF4-FFF2-40B4-BE49-F238E27FC236}">
+                <a16:creationId xmlns:a16="http://schemas.microsoft.com/office/drawing/2014/main" id="{B540102D-251A-4816-8A5A-D6472FB92D38}"/>
               </a:ext>
             </a:extLst>
           </p:cNvPr>
           <p:cNvCxnSpPr>
             <a:cxnSpLocks/>
-            <a:stCxn id="306" idx="1"/>
-            <a:endCxn id="91" idx="1"/>
+            <a:stCxn id="386" idx="3"/>
+            <a:endCxn id="224" idx="2"/>
           </p:cNvCxnSpPr>
           <p:nvPr/>
         </p:nvCxnSpPr>
         <p:spPr>
-          <a:xfrm rot="5400000">
-            <a:off x="826228" y="1282987"/>
-            <a:ext cx="1937306" cy="1818399"/>
-          </a:xfrm>
-          <a:prstGeom prst="bentConnector4">
-            <a:avLst>
-              <a:gd name="adj1" fmla="val 26930"/>
-              <a:gd name="adj2" fmla="val 109638"/>
-            </a:avLst>
+          <a:xfrm flipV="1">
+            <a:off x="4978679" y="5253866"/>
+            <a:ext cx="776350" cy="275118"/>
+          </a:xfrm>
+          <a:prstGeom prst="bentConnector2">
+            <a:avLst/>
           </a:prstGeom>
           <a:ln w="44450">
             <a:solidFill>
@@ -4543,10 +4790,10 @@
       </p:cxnSp>
       <p:sp>
         <p:nvSpPr>
-          <p:cNvPr id="91" name="矩形 90">
-            <a:extLst>
-              <a:ext uri="{FF2B5EF4-FFF2-40B4-BE49-F238E27FC236}">
-                <a16:creationId xmlns:a16="http://schemas.microsoft.com/office/drawing/2014/main" id="{BD427538-C151-47C3-893B-AA813019EB55}"/>
+          <p:cNvPr id="152" name="矩形: 剪去左右顶角 151">
+            <a:extLst>
+              <a:ext uri="{FF2B5EF4-FFF2-40B4-BE49-F238E27FC236}">
+                <a16:creationId xmlns:a16="http://schemas.microsoft.com/office/drawing/2014/main" id="{B6532E04-24BF-460E-A67F-AB65DBAA675A}"/>
               </a:ext>
             </a:extLst>
           </p:cNvPr>
@@ -4555,304 +4802,10 @@
         </p:nvSpPr>
         <p:spPr>
           <a:xfrm>
-            <a:off x="885681" y="2937557"/>
-            <a:ext cx="913863" cy="446564"/>
-          </a:xfrm>
-          <a:prstGeom prst="rect">
-            <a:avLst/>
-          </a:prstGeom>
-          <a:solidFill>
-            <a:srgbClr val="002060">
-              <a:alpha val="75000"/>
-            </a:srgbClr>
-          </a:solidFill>
-        </p:spPr>
-        <p:style>
-          <a:lnRef idx="2">
-            <a:schemeClr val="accent1">
-              <a:shade val="50000"/>
-            </a:schemeClr>
-          </a:lnRef>
-          <a:fillRef idx="1">
-            <a:schemeClr val="accent1"/>
-          </a:fillRef>
-          <a:effectRef idx="0">
-            <a:schemeClr val="accent1"/>
-          </a:effectRef>
-          <a:fontRef idx="minor">
-            <a:schemeClr val="lt1"/>
-          </a:fontRef>
-        </p:style>
-        <p:txBody>
-          <a:bodyPr rtlCol="0" anchor="ctr"/>
-          <a:lstStyle/>
-          <a:p>
-            <a:pPr algn="ctr"/>
-            <a:r>
-              <a:rPr lang="en-US" altLang="zh-CN" sz="1400" dirty="0"/>
-              <a:t>(Kafka)</a:t>
-            </a:r>
-            <a:endParaRPr lang="zh-CN" altLang="en-US" sz="1400" dirty="0"/>
-          </a:p>
-        </p:txBody>
-      </p:sp>
-      <p:sp>
-        <p:nvSpPr>
-          <p:cNvPr id="99" name="矩形 98">
-            <a:extLst>
-              <a:ext uri="{FF2B5EF4-FFF2-40B4-BE49-F238E27FC236}">
-                <a16:creationId xmlns:a16="http://schemas.microsoft.com/office/drawing/2014/main" id="{11E8778A-1D62-45B7-BCC1-8164DD8A518E}"/>
-              </a:ext>
-            </a:extLst>
-          </p:cNvPr>
-          <p:cNvSpPr/>
-          <p:nvPr/>
-        </p:nvSpPr>
-        <p:spPr>
-          <a:xfrm>
-            <a:off x="2133379" y="2839579"/>
-            <a:ext cx="1867400" cy="1056384"/>
-          </a:xfrm>
-          <a:prstGeom prst="rect">
-            <a:avLst/>
-          </a:prstGeom>
-          <a:solidFill>
-            <a:srgbClr val="002060">
-              <a:alpha val="60000"/>
-            </a:srgbClr>
-          </a:solidFill>
-          <a:ln w="12700">
-            <a:noFill/>
-          </a:ln>
-        </p:spPr>
-        <p:style>
-          <a:lnRef idx="2">
-            <a:schemeClr val="accent1">
-              <a:shade val="50000"/>
-            </a:schemeClr>
-          </a:lnRef>
-          <a:fillRef idx="1">
-            <a:schemeClr val="accent1"/>
-          </a:fillRef>
-          <a:effectRef idx="0">
-            <a:schemeClr val="accent1"/>
-          </a:effectRef>
-          <a:fontRef idx="minor">
-            <a:schemeClr val="lt1"/>
-          </a:fontRef>
-        </p:style>
-        <p:txBody>
-          <a:bodyPr rtlCol="0" anchor="t" anchorCtr="0"/>
-          <a:lstStyle/>
-          <a:p>
-            <a:pPr algn="ctr"/>
-            <a:r>
-              <a:rPr lang="en-US" altLang="zh-CN" sz="1400" b="1" dirty="0"/>
-              <a:t>Online Analysis: </a:t>
-            </a:r>
-          </a:p>
-          <a:p>
-            <a:pPr algn="ctr"/>
-            <a:r>
-              <a:rPr lang="en-US" altLang="zh-CN" sz="1100" b="1" dirty="0"/>
-              <a:t>(</a:t>
-            </a:r>
-            <a:r>
-              <a:rPr lang="en-US" altLang="zh-CN" sz="1100" b="1" u="sng" dirty="0"/>
-              <a:t>LBS &amp; Real-Time</a:t>
-            </a:r>
-            <a:r>
-              <a:rPr lang="en-US" altLang="zh-CN" sz="1100" b="1" dirty="0"/>
-              <a:t>)</a:t>
-            </a:r>
-            <a:endParaRPr lang="zh-CN" altLang="en-US" sz="1100" b="1" dirty="0"/>
-          </a:p>
-        </p:txBody>
-      </p:sp>
-      <p:sp>
-        <p:nvSpPr>
-          <p:cNvPr id="101" name="矩形 100">
-            <a:extLst>
-              <a:ext uri="{FF2B5EF4-FFF2-40B4-BE49-F238E27FC236}">
-                <a16:creationId xmlns:a16="http://schemas.microsoft.com/office/drawing/2014/main" id="{C95E03E9-E2E2-4D39-9BF3-DFA5677A39CA}"/>
-              </a:ext>
-            </a:extLst>
-          </p:cNvPr>
-          <p:cNvSpPr/>
-          <p:nvPr/>
-        </p:nvSpPr>
-        <p:spPr>
-          <a:xfrm>
-            <a:off x="2200814" y="3350929"/>
-            <a:ext cx="702135" cy="512170"/>
-          </a:xfrm>
-          <a:prstGeom prst="rect">
-            <a:avLst/>
-          </a:prstGeom>
-          <a:solidFill>
-            <a:srgbClr val="002060">
-              <a:alpha val="90000"/>
-            </a:srgbClr>
-          </a:solidFill>
-        </p:spPr>
-        <p:style>
-          <a:lnRef idx="2">
-            <a:schemeClr val="accent1">
-              <a:shade val="50000"/>
-            </a:schemeClr>
-          </a:lnRef>
-          <a:fillRef idx="1">
-            <a:schemeClr val="accent1"/>
-          </a:fillRef>
-          <a:effectRef idx="0">
-            <a:schemeClr val="accent1"/>
-          </a:effectRef>
-          <a:fontRef idx="minor">
-            <a:schemeClr val="lt1"/>
-          </a:fontRef>
-        </p:style>
-        <p:txBody>
-          <a:bodyPr rtlCol="0" anchor="ctr"/>
-          <a:lstStyle/>
-          <a:p>
-            <a:pPr algn="ctr"/>
-            <a:r>
-              <a:rPr lang="en-US" altLang="zh-CN" sz="1100" b="1" dirty="0"/>
-              <a:t>DB</a:t>
-            </a:r>
-            <a:endParaRPr lang="zh-CN" altLang="en-US" sz="1050" b="1" dirty="0"/>
-          </a:p>
-        </p:txBody>
-      </p:sp>
-      <p:sp>
-        <p:nvSpPr>
-          <p:cNvPr id="105" name="矩形 104">
-            <a:extLst>
-              <a:ext uri="{FF2B5EF4-FFF2-40B4-BE49-F238E27FC236}">
-                <a16:creationId xmlns:a16="http://schemas.microsoft.com/office/drawing/2014/main" id="{AEFF497A-F3AA-490B-B28D-84471586999D}"/>
-              </a:ext>
-            </a:extLst>
-          </p:cNvPr>
-          <p:cNvSpPr/>
-          <p:nvPr/>
-        </p:nvSpPr>
-        <p:spPr>
-          <a:xfrm>
-            <a:off x="2950245" y="3343446"/>
-            <a:ext cx="982349" cy="512170"/>
-          </a:xfrm>
-          <a:prstGeom prst="rect">
-            <a:avLst/>
-          </a:prstGeom>
-          <a:solidFill>
-            <a:srgbClr val="002060">
-              <a:alpha val="90000"/>
-            </a:srgbClr>
-          </a:solidFill>
-        </p:spPr>
-        <p:style>
-          <a:lnRef idx="2">
-            <a:schemeClr val="accent1">
-              <a:shade val="50000"/>
-            </a:schemeClr>
-          </a:lnRef>
-          <a:fillRef idx="1">
-            <a:schemeClr val="accent1"/>
-          </a:fillRef>
-          <a:effectRef idx="0">
-            <a:schemeClr val="accent1"/>
-          </a:effectRef>
-          <a:fontRef idx="minor">
-            <a:schemeClr val="lt1"/>
-          </a:fontRef>
-        </p:style>
-        <p:txBody>
-          <a:bodyPr rtlCol="0" anchor="ctr"/>
-          <a:lstStyle/>
-          <a:p>
-            <a:pPr algn="ctr"/>
-            <a:r>
-              <a:rPr lang="en-US" altLang="zh-CN" sz="1100" b="1" dirty="0"/>
-              <a:t>Selection</a:t>
-            </a:r>
-            <a:r>
-              <a:rPr lang="en-US" altLang="zh-CN" sz="1050" b="1" dirty="0"/>
-              <a:t> </a:t>
-            </a:r>
-            <a:r>
-              <a:rPr lang="en-US" altLang="zh-CN" sz="1100" b="1" dirty="0"/>
-              <a:t>Logic</a:t>
-            </a:r>
-            <a:endParaRPr lang="zh-CN" altLang="en-US" sz="1050" b="1" dirty="0"/>
-          </a:p>
-        </p:txBody>
-      </p:sp>
-      <p:cxnSp>
-        <p:nvCxnSpPr>
-          <p:cNvPr id="115" name="连接符: 肘形 114">
-            <a:extLst>
-              <a:ext uri="{FF2B5EF4-FFF2-40B4-BE49-F238E27FC236}">
-                <a16:creationId xmlns:a16="http://schemas.microsoft.com/office/drawing/2014/main" id="{E39BAD6B-A018-48C5-BDC7-1B81931694EF}"/>
-              </a:ext>
-            </a:extLst>
-          </p:cNvPr>
-          <p:cNvCxnSpPr>
-            <a:cxnSpLocks/>
-            <a:stCxn id="91" idx="3"/>
-            <a:endCxn id="99" idx="1"/>
-          </p:cNvCxnSpPr>
-          <p:nvPr/>
-        </p:nvCxnSpPr>
-        <p:spPr>
-          <a:xfrm>
-            <a:off x="1799544" y="3160839"/>
-            <a:ext cx="333835" cy="206932"/>
-          </a:xfrm>
-          <a:prstGeom prst="bentConnector3">
-            <a:avLst>
-              <a:gd name="adj1" fmla="val 50000"/>
-            </a:avLst>
-          </a:prstGeom>
-          <a:ln w="44450">
-            <a:solidFill>
-              <a:srgbClr val="002060"/>
-            </a:solidFill>
-            <a:tailEnd type="triangle"/>
-          </a:ln>
-        </p:spPr>
-        <p:style>
-          <a:lnRef idx="1">
-            <a:schemeClr val="accent1"/>
-          </a:lnRef>
-          <a:fillRef idx="0">
-            <a:schemeClr val="accent1"/>
-          </a:fillRef>
-          <a:effectRef idx="0">
-            <a:schemeClr val="accent1"/>
-          </a:effectRef>
-          <a:fontRef idx="minor">
-            <a:schemeClr val="tx1"/>
-          </a:fontRef>
-        </p:style>
-      </p:cxnSp>
-      <p:sp>
-        <p:nvSpPr>
-          <p:cNvPr id="129" name="矩形: 剪去对角 128">
-            <a:extLst>
-              <a:ext uri="{FF2B5EF4-FFF2-40B4-BE49-F238E27FC236}">
-                <a16:creationId xmlns:a16="http://schemas.microsoft.com/office/drawing/2014/main" id="{DD567FB5-699E-4B74-9976-98D1A321DB32}"/>
-              </a:ext>
-            </a:extLst>
-          </p:cNvPr>
-          <p:cNvSpPr/>
-          <p:nvPr/>
-        </p:nvSpPr>
-        <p:spPr>
-          <a:xfrm>
-            <a:off x="5490941" y="4229857"/>
-            <a:ext cx="754988" cy="375303"/>
-          </a:xfrm>
-          <a:prstGeom prst="snip2DiagRect">
+            <a:off x="7818362" y="3302079"/>
+            <a:ext cx="926923" cy="510611"/>
+          </a:xfrm>
+          <a:prstGeom prst="snip2SameRect">
             <a:avLst/>
           </a:prstGeom>
           <a:solidFill>
@@ -4891,115 +4844,6 @@
           <a:p>
             <a:pPr algn="ctr"/>
             <a:r>
-              <a:rPr lang="en-US" altLang="zh-CN" sz="1100" dirty="0"/>
-              <a:t>Merge Logic-1</a:t>
-            </a:r>
-            <a:endParaRPr lang="zh-CN" altLang="en-US" sz="1100" dirty="0"/>
-          </a:p>
-        </p:txBody>
-      </p:sp>
-      <p:cxnSp>
-        <p:nvCxnSpPr>
-          <p:cNvPr id="130" name="连接符: 肘形 129">
-            <a:extLst>
-              <a:ext uri="{FF2B5EF4-FFF2-40B4-BE49-F238E27FC236}">
-                <a16:creationId xmlns:a16="http://schemas.microsoft.com/office/drawing/2014/main" id="{B540102D-251A-4816-8A5A-D6472FB92D38}"/>
-              </a:ext>
-            </a:extLst>
-          </p:cNvPr>
-          <p:cNvCxnSpPr>
-            <a:cxnSpLocks/>
-            <a:stCxn id="386" idx="0"/>
-            <a:endCxn id="129" idx="2"/>
-          </p:cNvCxnSpPr>
-          <p:nvPr/>
-        </p:nvCxnSpPr>
-        <p:spPr>
-          <a:xfrm rot="5400000" flipH="1" flipV="1">
-            <a:off x="5062920" y="4524945"/>
-            <a:ext cx="535456" cy="320585"/>
-          </a:xfrm>
-          <a:prstGeom prst="bentConnector2">
-            <a:avLst/>
-          </a:prstGeom>
-          <a:ln w="44450">
-            <a:solidFill>
-              <a:srgbClr val="002060"/>
-            </a:solidFill>
-            <a:tailEnd type="triangle"/>
-          </a:ln>
-        </p:spPr>
-        <p:style>
-          <a:lnRef idx="1">
-            <a:schemeClr val="accent1"/>
-          </a:lnRef>
-          <a:fillRef idx="0">
-            <a:schemeClr val="accent1"/>
-          </a:fillRef>
-          <a:effectRef idx="0">
-            <a:schemeClr val="accent1"/>
-          </a:effectRef>
-          <a:fontRef idx="minor">
-            <a:schemeClr val="tx1"/>
-          </a:fontRef>
-        </p:style>
-      </p:cxnSp>
-      <p:sp>
-        <p:nvSpPr>
-          <p:cNvPr id="152" name="矩形: 剪去对角 151">
-            <a:extLst>
-              <a:ext uri="{FF2B5EF4-FFF2-40B4-BE49-F238E27FC236}">
-                <a16:creationId xmlns:a16="http://schemas.microsoft.com/office/drawing/2014/main" id="{B6532E04-24BF-460E-A67F-AB65DBAA675A}"/>
-              </a:ext>
-            </a:extLst>
-          </p:cNvPr>
-          <p:cNvSpPr/>
-          <p:nvPr/>
-        </p:nvSpPr>
-        <p:spPr>
-          <a:xfrm>
-            <a:off x="6517080" y="3821662"/>
-            <a:ext cx="926923" cy="510611"/>
-          </a:xfrm>
-          <a:prstGeom prst="snip2DiagRect">
-            <a:avLst/>
-          </a:prstGeom>
-          <a:solidFill>
-            <a:schemeClr val="accent6">
-              <a:lumMod val="75000"/>
-            </a:schemeClr>
-          </a:solidFill>
-          <a:ln>
-            <a:solidFill>
-              <a:schemeClr val="accent6">
-                <a:lumMod val="60000"/>
-                <a:lumOff val="40000"/>
-              </a:schemeClr>
-            </a:solidFill>
-          </a:ln>
-        </p:spPr>
-        <p:style>
-          <a:lnRef idx="2">
-            <a:schemeClr val="accent1">
-              <a:shade val="50000"/>
-            </a:schemeClr>
-          </a:lnRef>
-          <a:fillRef idx="1">
-            <a:schemeClr val="accent1"/>
-          </a:fillRef>
-          <a:effectRef idx="0">
-            <a:schemeClr val="accent1"/>
-          </a:effectRef>
-          <a:fontRef idx="minor">
-            <a:schemeClr val="lt1"/>
-          </a:fontRef>
-        </p:style>
-        <p:txBody>
-          <a:bodyPr rtlCol="0" anchor="ctr"/>
-          <a:lstStyle/>
-          <a:p>
-            <a:pPr algn="ctr"/>
-            <a:r>
               <a:rPr lang="en-US" altLang="zh-CN" sz="1400" dirty="0"/>
               <a:t>Merge Logic-2</a:t>
             </a:r>
@@ -5025,17 +4869,19 @@
         </p:nvCxnSpPr>
         <p:spPr>
           <a:xfrm flipV="1">
-            <a:off x="6245929" y="4076968"/>
-            <a:ext cx="271151" cy="340541"/>
+            <a:off x="7528006" y="3557385"/>
+            <a:ext cx="290356" cy="1343227"/>
           </a:xfrm>
           <a:prstGeom prst="bentConnector3">
             <a:avLst>
-              <a:gd name="adj1" fmla="val 26113"/>
+              <a:gd name="adj1" fmla="val 21132"/>
             </a:avLst>
           </a:prstGeom>
           <a:ln w="44450">
             <a:solidFill>
-              <a:srgbClr val="002060"/>
+              <a:schemeClr val="accent6">
+                <a:lumMod val="50000"/>
+              </a:schemeClr>
             </a:solidFill>
             <a:tailEnd type="triangle"/>
           </a:ln>
@@ -5074,12 +4920,12 @@
         <p:spPr>
           <a:xfrm flipH="1" flipV="1">
             <a:off x="4144493" y="1274667"/>
-            <a:ext cx="3299510" cy="2802301"/>
+            <a:ext cx="4600792" cy="2282718"/>
           </a:xfrm>
           <a:prstGeom prst="bentConnector4">
             <a:avLst>
-              <a:gd name="adj1" fmla="val -1616"/>
-              <a:gd name="adj2" fmla="val 82835"/>
+              <a:gd name="adj1" fmla="val -1988"/>
+              <a:gd name="adj2" fmla="val 79168"/>
             </a:avLst>
           </a:prstGeom>
           <a:ln w="44450">
@@ -5118,7 +4964,7 @@
         </p:nvSpPr>
         <p:spPr>
           <a:xfrm>
-            <a:off x="2200815" y="1308590"/>
+            <a:off x="2744795" y="1294355"/>
             <a:ext cx="443326" cy="1243892"/>
           </a:xfrm>
           <a:prstGeom prst="downArrow">
@@ -5184,7 +5030,7 @@
         </p:nvSpPr>
         <p:spPr>
           <a:xfrm>
-            <a:off x="117659" y="1535728"/>
+            <a:off x="-31786" y="1542368"/>
             <a:ext cx="449235" cy="3630401"/>
           </a:xfrm>
           <a:prstGeom prst="downArrow">
@@ -5250,7 +5096,7 @@
         </p:nvSpPr>
         <p:spPr>
           <a:xfrm rot="10800000">
-            <a:off x="6772812" y="1817262"/>
+            <a:off x="8800676" y="1996247"/>
             <a:ext cx="500618" cy="1971908"/>
           </a:xfrm>
           <a:prstGeom prst="downArrow">
@@ -5323,14 +5169,11 @@
             <a:avLst/>
           </a:prstGeom>
           <a:solidFill>
-            <a:schemeClr val="accent2"/>
+            <a:srgbClr val="FF0000"/>
           </a:solidFill>
           <a:ln>
             <a:solidFill>
-              <a:schemeClr val="accent2">
-                <a:lumMod val="60000"/>
-                <a:lumOff val="40000"/>
-              </a:schemeClr>
+              <a:srgbClr val="FFC000"/>
             </a:solidFill>
           </a:ln>
         </p:spPr>
@@ -5385,7 +5228,7 @@
           </a:prstGeom>
           <a:solidFill>
             <a:srgbClr val="FFFF66">
-              <a:alpha val="75000"/>
+              <a:alpha val="70000"/>
             </a:srgbClr>
           </a:solidFill>
           <a:ln>
@@ -5443,7 +5286,7 @@
         </p:nvSpPr>
         <p:spPr>
           <a:xfrm>
-            <a:off x="3754233" y="4952965"/>
+            <a:off x="2985209" y="5272899"/>
             <a:ext cx="996788" cy="512170"/>
           </a:xfrm>
           <a:prstGeom prst="rect">
@@ -5498,7 +5341,7 @@
         </p:nvSpPr>
         <p:spPr>
           <a:xfrm>
-            <a:off x="4792862" y="4952965"/>
+            <a:off x="4223691" y="5272899"/>
             <a:ext cx="754988" cy="512170"/>
           </a:xfrm>
           <a:prstGeom prst="rect">
@@ -5550,18 +5393,20 @@
           </p:cNvPr>
           <p:cNvCxnSpPr>
             <a:cxnSpLocks/>
-            <a:stCxn id="471" idx="0"/>
-            <a:endCxn id="129" idx="2"/>
+            <a:stCxn id="471" idx="3"/>
+            <a:endCxn id="121" idx="1"/>
           </p:cNvCxnSpPr>
           <p:nvPr/>
         </p:nvCxnSpPr>
         <p:spPr>
-          <a:xfrm rot="5400000" flipH="1" flipV="1">
-            <a:off x="3492066" y="2978302"/>
-            <a:ext cx="559667" cy="3438083"/>
-          </a:xfrm>
-          <a:prstGeom prst="bentConnector2">
-            <a:avLst/>
+          <a:xfrm flipV="1">
+            <a:off x="2609066" y="4705340"/>
+            <a:ext cx="2529008" cy="518914"/>
+          </a:xfrm>
+          <a:prstGeom prst="bentConnector3">
+            <a:avLst>
+              <a:gd name="adj1" fmla="val 7667"/>
+            </a:avLst>
           </a:prstGeom>
           <a:ln w="44450">
             <a:solidFill>
@@ -5673,7 +5518,7 @@
           </a:prstGeom>
           <a:solidFill>
             <a:srgbClr val="FFFF66">
-              <a:alpha val="50000"/>
+              <a:alpha val="45000"/>
             </a:srgbClr>
           </a:solidFill>
           <a:ln>
@@ -5717,12 +5562,494 @@
           </a:p>
         </p:txBody>
       </p:sp>
+      <p:sp>
+        <p:nvSpPr>
+          <p:cNvPr id="467" name="矩形 466">
+            <a:extLst>
+              <a:ext uri="{FF2B5EF4-FFF2-40B4-BE49-F238E27FC236}">
+                <a16:creationId xmlns:a16="http://schemas.microsoft.com/office/drawing/2014/main" id="{14AA9342-E76D-4B49-9E4E-2D9810E83573}"/>
+              </a:ext>
+            </a:extLst>
+          </p:cNvPr>
+          <p:cNvSpPr/>
+          <p:nvPr/>
+        </p:nvSpPr>
+        <p:spPr>
+          <a:xfrm>
+            <a:off x="721551" y="4614494"/>
+            <a:ext cx="1921464" cy="915676"/>
+          </a:xfrm>
+          <a:prstGeom prst="rect">
+            <a:avLst/>
+          </a:prstGeom>
+          <a:solidFill>
+            <a:srgbClr val="002060">
+              <a:alpha val="60000"/>
+            </a:srgbClr>
+          </a:solidFill>
+          <a:ln>
+            <a:noFill/>
+          </a:ln>
+        </p:spPr>
+        <p:style>
+          <a:lnRef idx="2">
+            <a:schemeClr val="accent1">
+              <a:shade val="50000"/>
+            </a:schemeClr>
+          </a:lnRef>
+          <a:fillRef idx="1">
+            <a:schemeClr val="accent1"/>
+          </a:fillRef>
+          <a:effectRef idx="0">
+            <a:schemeClr val="accent1"/>
+          </a:effectRef>
+          <a:fontRef idx="minor">
+            <a:schemeClr val="lt1"/>
+          </a:fontRef>
+        </p:style>
+        <p:txBody>
+          <a:bodyPr rtlCol="0" anchor="t" anchorCtr="0"/>
+          <a:lstStyle/>
+          <a:p>
+            <a:pPr algn="ctr"/>
+            <a:r>
+              <a:rPr lang="en-US" altLang="zh-CN" sz="1400" b="1" dirty="0"/>
+              <a:t>Personal History</a:t>
+            </a:r>
+            <a:endParaRPr lang="zh-CN" altLang="en-US" sz="1400" b="1" dirty="0"/>
+          </a:p>
+        </p:txBody>
+      </p:sp>
+      <p:sp>
+        <p:nvSpPr>
+          <p:cNvPr id="18" name="矩形 17">
+            <a:extLst>
+              <a:ext uri="{FF2B5EF4-FFF2-40B4-BE49-F238E27FC236}">
+                <a16:creationId xmlns:a16="http://schemas.microsoft.com/office/drawing/2014/main" id="{B522D88C-2514-4960-BA27-65082B72A3EA}"/>
+              </a:ext>
+            </a:extLst>
+          </p:cNvPr>
+          <p:cNvSpPr/>
+          <p:nvPr/>
+        </p:nvSpPr>
+        <p:spPr>
+          <a:xfrm>
+            <a:off x="784138" y="5002922"/>
+            <a:ext cx="705934" cy="446564"/>
+          </a:xfrm>
+          <a:prstGeom prst="rect">
+            <a:avLst/>
+          </a:prstGeom>
+          <a:solidFill>
+            <a:srgbClr val="002060">
+              <a:alpha val="90000"/>
+            </a:srgbClr>
+          </a:solidFill>
+        </p:spPr>
+        <p:style>
+          <a:lnRef idx="2">
+            <a:schemeClr val="accent1">
+              <a:shade val="50000"/>
+            </a:schemeClr>
+          </a:lnRef>
+          <a:fillRef idx="1">
+            <a:schemeClr val="accent1"/>
+          </a:fillRef>
+          <a:effectRef idx="0">
+            <a:schemeClr val="accent1"/>
+          </a:effectRef>
+          <a:fontRef idx="minor">
+            <a:schemeClr val="lt1"/>
+          </a:fontRef>
+        </p:style>
+        <p:txBody>
+          <a:bodyPr rtlCol="0" anchor="ctr"/>
+          <a:lstStyle/>
+          <a:p>
+            <a:pPr algn="ctr"/>
+            <a:r>
+              <a:rPr lang="en-US" altLang="zh-CN" sz="1400" b="1" dirty="0"/>
+              <a:t>Data</a:t>
+            </a:r>
+            <a:r>
+              <a:rPr lang="zh-CN" altLang="en-US" sz="1400" b="1" dirty="0"/>
+              <a:t> </a:t>
+            </a:r>
+            <a:r>
+              <a:rPr lang="en-US" altLang="zh-CN" sz="1400" b="1" dirty="0"/>
+              <a:t>Base</a:t>
+            </a:r>
+            <a:endParaRPr lang="zh-CN" altLang="en-US" sz="1400" b="1" dirty="0"/>
+          </a:p>
+        </p:txBody>
+      </p:sp>
+      <p:sp>
+        <p:nvSpPr>
+          <p:cNvPr id="471" name="矩形 470">
+            <a:extLst>
+              <a:ext uri="{FF2B5EF4-FFF2-40B4-BE49-F238E27FC236}">
+                <a16:creationId xmlns:a16="http://schemas.microsoft.com/office/drawing/2014/main" id="{8A310539-AA73-497B-B611-BA4A76CEF16D}"/>
+              </a:ext>
+            </a:extLst>
+          </p:cNvPr>
+          <p:cNvSpPr/>
+          <p:nvPr/>
+        </p:nvSpPr>
+        <p:spPr>
+          <a:xfrm>
+            <a:off x="1704982" y="4994330"/>
+            <a:ext cx="904084" cy="459847"/>
+          </a:xfrm>
+          <a:prstGeom prst="rect">
+            <a:avLst/>
+          </a:prstGeom>
+          <a:solidFill>
+            <a:srgbClr val="002060">
+              <a:alpha val="90000"/>
+            </a:srgbClr>
+          </a:solidFill>
+        </p:spPr>
+        <p:style>
+          <a:lnRef idx="2">
+            <a:schemeClr val="accent1">
+              <a:shade val="50000"/>
+            </a:schemeClr>
+          </a:lnRef>
+          <a:fillRef idx="1">
+            <a:schemeClr val="accent1"/>
+          </a:fillRef>
+          <a:effectRef idx="0">
+            <a:schemeClr val="accent1"/>
+          </a:effectRef>
+          <a:fontRef idx="minor">
+            <a:schemeClr val="lt1"/>
+          </a:fontRef>
+        </p:style>
+        <p:txBody>
+          <a:bodyPr rtlCol="0" anchor="ctr"/>
+          <a:lstStyle/>
+          <a:p>
+            <a:pPr algn="ctr"/>
+            <a:r>
+              <a:rPr lang="en-US" altLang="zh-CN" sz="1400" b="1" dirty="0"/>
+              <a:t>Personal History</a:t>
+            </a:r>
+            <a:endParaRPr lang="zh-CN" altLang="en-US" sz="1400" b="1" dirty="0"/>
+          </a:p>
+        </p:txBody>
+      </p:sp>
       <p:cxnSp>
         <p:nvCxnSpPr>
-          <p:cNvPr id="459" name="直接箭头连接符 458">
-            <a:extLst>
-              <a:ext uri="{FF2B5EF4-FFF2-40B4-BE49-F238E27FC236}">
-                <a16:creationId xmlns:a16="http://schemas.microsoft.com/office/drawing/2014/main" id="{6FF2BF69-3996-43DA-AF20-770DF8C59756}"/>
+          <p:cNvPr id="484" name="连接符: 肘形 483">
+            <a:extLst>
+              <a:ext uri="{FF2B5EF4-FFF2-40B4-BE49-F238E27FC236}">
+                <a16:creationId xmlns:a16="http://schemas.microsoft.com/office/drawing/2014/main" id="{12846497-D08F-49CF-B6EE-516A9AB191B2}"/>
+              </a:ext>
+            </a:extLst>
+          </p:cNvPr>
+          <p:cNvCxnSpPr>
+            <a:cxnSpLocks/>
+            <a:stCxn id="18" idx="2"/>
+            <a:endCxn id="49" idx="2"/>
+          </p:cNvCxnSpPr>
+          <p:nvPr/>
+        </p:nvCxnSpPr>
+        <p:spPr>
+          <a:xfrm rot="16200000" flipH="1">
+            <a:off x="1207643" y="5378947"/>
+            <a:ext cx="426800" cy="567877"/>
+          </a:xfrm>
+          <a:prstGeom prst="bentConnector2">
+            <a:avLst/>
+          </a:prstGeom>
+          <a:ln w="44450">
+            <a:solidFill>
+              <a:srgbClr val="ED7D31"/>
+            </a:solidFill>
+            <a:tailEnd type="triangle"/>
+          </a:ln>
+        </p:spPr>
+        <p:style>
+          <a:lnRef idx="1">
+            <a:schemeClr val="accent1"/>
+          </a:lnRef>
+          <a:fillRef idx="0">
+            <a:schemeClr val="accent1"/>
+          </a:fillRef>
+          <a:effectRef idx="0">
+            <a:schemeClr val="accent1"/>
+          </a:effectRef>
+          <a:fontRef idx="minor">
+            <a:schemeClr val="tx1"/>
+          </a:fontRef>
+        </p:style>
+      </p:cxnSp>
+      <p:cxnSp>
+        <p:nvCxnSpPr>
+          <p:cNvPr id="34" name="直接箭头连接符 33">
+            <a:extLst>
+              <a:ext uri="{FF2B5EF4-FFF2-40B4-BE49-F238E27FC236}">
+                <a16:creationId xmlns:a16="http://schemas.microsoft.com/office/drawing/2014/main" id="{5D8EE259-A05E-4A8B-A8D6-9C6549306BA8}"/>
+              </a:ext>
+            </a:extLst>
+          </p:cNvPr>
+          <p:cNvCxnSpPr>
+            <a:cxnSpLocks/>
+            <a:stCxn id="101" idx="3"/>
+            <a:endCxn id="105" idx="1"/>
+          </p:cNvCxnSpPr>
+          <p:nvPr/>
+        </p:nvCxnSpPr>
+        <p:spPr>
+          <a:xfrm flipV="1">
+            <a:off x="1976858" y="3561540"/>
+            <a:ext cx="209886" cy="5423"/>
+          </a:xfrm>
+          <a:prstGeom prst="straightConnector1">
+            <a:avLst/>
+          </a:prstGeom>
+          <a:ln w="44450">
+            <a:solidFill>
+              <a:srgbClr val="002060"/>
+            </a:solidFill>
+            <a:tailEnd type="triangle"/>
+          </a:ln>
+        </p:spPr>
+        <p:style>
+          <a:lnRef idx="1">
+            <a:schemeClr val="accent1"/>
+          </a:lnRef>
+          <a:fillRef idx="0">
+            <a:schemeClr val="accent1"/>
+          </a:fillRef>
+          <a:effectRef idx="0">
+            <a:schemeClr val="accent1"/>
+          </a:effectRef>
+          <a:fontRef idx="minor">
+            <a:schemeClr val="tx1"/>
+          </a:fontRef>
+        </p:style>
+      </p:cxnSp>
+      <p:sp>
+        <p:nvSpPr>
+          <p:cNvPr id="92" name="矩形 91">
+            <a:extLst>
+              <a:ext uri="{FF2B5EF4-FFF2-40B4-BE49-F238E27FC236}">
+                <a16:creationId xmlns:a16="http://schemas.microsoft.com/office/drawing/2014/main" id="{9672A7D5-302D-4F72-B2F5-2C763A586553}"/>
+              </a:ext>
+            </a:extLst>
+          </p:cNvPr>
+          <p:cNvSpPr/>
+          <p:nvPr/>
+        </p:nvSpPr>
+        <p:spPr>
+          <a:xfrm>
+            <a:off x="5389399" y="3100591"/>
+            <a:ext cx="974133" cy="913588"/>
+          </a:xfrm>
+          <a:prstGeom prst="rect">
+            <a:avLst/>
+          </a:prstGeom>
+          <a:solidFill>
+            <a:srgbClr val="324D1F">
+              <a:alpha val="89804"/>
+            </a:srgbClr>
+          </a:solidFill>
+          <a:ln>
+            <a:solidFill>
+              <a:schemeClr val="accent6">
+                <a:lumMod val="75000"/>
+              </a:schemeClr>
+            </a:solidFill>
+          </a:ln>
+        </p:spPr>
+        <p:style>
+          <a:lnRef idx="2">
+            <a:schemeClr val="accent1">
+              <a:shade val="50000"/>
+            </a:schemeClr>
+          </a:lnRef>
+          <a:fillRef idx="1">
+            <a:schemeClr val="accent1"/>
+          </a:fillRef>
+          <a:effectRef idx="0">
+            <a:schemeClr val="accent1"/>
+          </a:effectRef>
+          <a:fontRef idx="minor">
+            <a:schemeClr val="lt1"/>
+          </a:fontRef>
+        </p:style>
+        <p:txBody>
+          <a:bodyPr rtlCol="0" anchor="ctr"/>
+          <a:lstStyle/>
+          <a:p>
+            <a:pPr algn="ctr"/>
+            <a:r>
+              <a:rPr lang="en-US" altLang="zh-CN" sz="1050" b="1" dirty="0"/>
+              <a:t>rec-item list of geo-areas </a:t>
+            </a:r>
+            <a:endParaRPr lang="zh-CN" altLang="en-US" sz="1050" b="1" dirty="0"/>
+          </a:p>
+        </p:txBody>
+      </p:sp>
+      <p:sp>
+        <p:nvSpPr>
+          <p:cNvPr id="121" name="矩形 120">
+            <a:extLst>
+              <a:ext uri="{FF2B5EF4-FFF2-40B4-BE49-F238E27FC236}">
+                <a16:creationId xmlns:a16="http://schemas.microsoft.com/office/drawing/2014/main" id="{D988364C-538C-4978-A272-D6E8176735D8}"/>
+              </a:ext>
+            </a:extLst>
+          </p:cNvPr>
+          <p:cNvSpPr/>
+          <p:nvPr/>
+        </p:nvSpPr>
+        <p:spPr>
+          <a:xfrm>
+            <a:off x="5138074" y="4549483"/>
+            <a:ext cx="1217006" cy="311714"/>
+          </a:xfrm>
+          <a:prstGeom prst="rect">
+            <a:avLst/>
+          </a:prstGeom>
+          <a:solidFill>
+            <a:srgbClr val="435C2A"/>
+          </a:solidFill>
+          <a:ln>
+            <a:solidFill>
+              <a:schemeClr val="accent6">
+                <a:lumMod val="75000"/>
+              </a:schemeClr>
+            </a:solidFill>
+          </a:ln>
+        </p:spPr>
+        <p:style>
+          <a:lnRef idx="2">
+            <a:schemeClr val="accent1">
+              <a:shade val="50000"/>
+            </a:schemeClr>
+          </a:lnRef>
+          <a:fillRef idx="1">
+            <a:schemeClr val="accent1"/>
+          </a:fillRef>
+          <a:effectRef idx="0">
+            <a:schemeClr val="accent1"/>
+          </a:effectRef>
+          <a:fontRef idx="minor">
+            <a:schemeClr val="lt1"/>
+          </a:fontRef>
+        </p:style>
+        <p:txBody>
+          <a:bodyPr rtlCol="0" anchor="ctr"/>
+          <a:lstStyle/>
+          <a:p>
+            <a:pPr algn="ctr"/>
+            <a:r>
+              <a:rPr lang="en-US" altLang="zh-CN" sz="1050" b="1" dirty="0"/>
+              <a:t>rec-category list (personal)</a:t>
+            </a:r>
+            <a:endParaRPr lang="zh-CN" altLang="en-US" sz="1050" b="1" dirty="0"/>
+          </a:p>
+        </p:txBody>
+      </p:sp>
+      <p:cxnSp>
+        <p:nvCxnSpPr>
+          <p:cNvPr id="128" name="直接箭头连接符 127">
+            <a:extLst>
+              <a:ext uri="{FF2B5EF4-FFF2-40B4-BE49-F238E27FC236}">
+                <a16:creationId xmlns:a16="http://schemas.microsoft.com/office/drawing/2014/main" id="{13529531-E2D4-4C70-9C10-AE11267E9CD3}"/>
+              </a:ext>
+            </a:extLst>
+          </p:cNvPr>
+          <p:cNvCxnSpPr>
+            <a:cxnSpLocks/>
+            <a:stCxn id="18" idx="3"/>
+            <a:endCxn id="471" idx="1"/>
+          </p:cNvCxnSpPr>
+          <p:nvPr/>
+        </p:nvCxnSpPr>
+        <p:spPr>
+          <a:xfrm flipV="1">
+            <a:off x="1490072" y="5224254"/>
+            <a:ext cx="214910" cy="1950"/>
+          </a:xfrm>
+          <a:prstGeom prst="straightConnector1">
+            <a:avLst/>
+          </a:prstGeom>
+          <a:ln w="44450">
+            <a:solidFill>
+              <a:srgbClr val="002060"/>
+            </a:solidFill>
+            <a:tailEnd type="triangle"/>
+          </a:ln>
+        </p:spPr>
+        <p:style>
+          <a:lnRef idx="1">
+            <a:schemeClr val="accent1"/>
+          </a:lnRef>
+          <a:fillRef idx="0">
+            <a:schemeClr val="accent1"/>
+          </a:fillRef>
+          <a:effectRef idx="0">
+            <a:schemeClr val="accent1"/>
+          </a:effectRef>
+          <a:fontRef idx="minor">
+            <a:schemeClr val="tx1"/>
+          </a:fontRef>
+        </p:style>
+      </p:cxnSp>
+      <p:cxnSp>
+        <p:nvCxnSpPr>
+          <p:cNvPr id="131" name="直接箭头连接符 130">
+            <a:extLst>
+              <a:ext uri="{FF2B5EF4-FFF2-40B4-BE49-F238E27FC236}">
+                <a16:creationId xmlns:a16="http://schemas.microsoft.com/office/drawing/2014/main" id="{BD815F07-6B1F-4252-B295-AE84CC4C58B6}"/>
+              </a:ext>
+            </a:extLst>
+          </p:cNvPr>
+          <p:cNvCxnSpPr>
+            <a:cxnSpLocks/>
+            <a:stCxn id="385" idx="3"/>
+            <a:endCxn id="386" idx="1"/>
+          </p:cNvCxnSpPr>
+          <p:nvPr/>
+        </p:nvCxnSpPr>
+        <p:spPr>
+          <a:xfrm>
+            <a:off x="3981997" y="5528984"/>
+            <a:ext cx="241694" cy="0"/>
+          </a:xfrm>
+          <a:prstGeom prst="straightConnector1">
+            <a:avLst/>
+          </a:prstGeom>
+          <a:ln w="44450">
+            <a:solidFill>
+              <a:srgbClr val="002060"/>
+            </a:solidFill>
+            <a:tailEnd type="triangle"/>
+          </a:ln>
+        </p:spPr>
+        <p:style>
+          <a:lnRef idx="1">
+            <a:schemeClr val="accent1"/>
+          </a:lnRef>
+          <a:fillRef idx="0">
+            <a:schemeClr val="accent1"/>
+          </a:fillRef>
+          <a:effectRef idx="0">
+            <a:schemeClr val="accent1"/>
+          </a:effectRef>
+          <a:fontRef idx="minor">
+            <a:schemeClr val="tx1"/>
+          </a:fontRef>
+        </p:style>
+      </p:cxnSp>
+      <p:cxnSp>
+        <p:nvCxnSpPr>
+          <p:cNvPr id="188" name="连接符: 肘形 187">
+            <a:extLst>
+              <a:ext uri="{FF2B5EF4-FFF2-40B4-BE49-F238E27FC236}">
+                <a16:creationId xmlns:a16="http://schemas.microsoft.com/office/drawing/2014/main" id="{739C511E-F28C-4CEB-A51F-8D9505279EBB}"/>
               </a:ext>
             </a:extLst>
           </p:cNvPr>
@@ -5735,8 +6062,262 @@
         </p:nvCxnSpPr>
         <p:spPr>
           <a:xfrm flipV="1">
-            <a:off x="3511203" y="5209050"/>
-            <a:ext cx="243030" cy="293"/>
+            <a:off x="2404890" y="5528984"/>
+            <a:ext cx="580319" cy="347302"/>
+          </a:xfrm>
+          <a:prstGeom prst="bentConnector3">
+            <a:avLst>
+              <a:gd name="adj1" fmla="val 50000"/>
+            </a:avLst>
+          </a:prstGeom>
+          <a:ln w="44450">
+            <a:solidFill>
+              <a:srgbClr val="ED7D31"/>
+            </a:solidFill>
+            <a:tailEnd type="triangle"/>
+          </a:ln>
+        </p:spPr>
+        <p:style>
+          <a:lnRef idx="1">
+            <a:schemeClr val="accent1"/>
+          </a:lnRef>
+          <a:fillRef idx="0">
+            <a:schemeClr val="accent1"/>
+          </a:fillRef>
+          <a:effectRef idx="0">
+            <a:schemeClr val="accent1"/>
+          </a:effectRef>
+          <a:fontRef idx="minor">
+            <a:schemeClr val="tx1"/>
+          </a:fontRef>
+        </p:style>
+      </p:cxnSp>
+      <p:sp>
+        <p:nvSpPr>
+          <p:cNvPr id="224" name="矩形 223">
+            <a:extLst>
+              <a:ext uri="{FF2B5EF4-FFF2-40B4-BE49-F238E27FC236}">
+                <a16:creationId xmlns:a16="http://schemas.microsoft.com/office/drawing/2014/main" id="{F4BD75CF-D263-4DCC-9BE5-8512408E50A9}"/>
+              </a:ext>
+            </a:extLst>
+          </p:cNvPr>
+          <p:cNvSpPr/>
+          <p:nvPr/>
+        </p:nvSpPr>
+        <p:spPr>
+          <a:xfrm>
+            <a:off x="5146526" y="4942152"/>
+            <a:ext cx="1217006" cy="311714"/>
+          </a:xfrm>
+          <a:prstGeom prst="rect">
+            <a:avLst/>
+          </a:prstGeom>
+          <a:solidFill>
+            <a:srgbClr val="435C2A"/>
+          </a:solidFill>
+          <a:ln>
+            <a:solidFill>
+              <a:schemeClr val="accent6">
+                <a:lumMod val="75000"/>
+              </a:schemeClr>
+            </a:solidFill>
+          </a:ln>
+        </p:spPr>
+        <p:style>
+          <a:lnRef idx="2">
+            <a:schemeClr val="accent1">
+              <a:shade val="50000"/>
+            </a:schemeClr>
+          </a:lnRef>
+          <a:fillRef idx="1">
+            <a:schemeClr val="accent1"/>
+          </a:fillRef>
+          <a:effectRef idx="0">
+            <a:schemeClr val="accent1"/>
+          </a:effectRef>
+          <a:fontRef idx="minor">
+            <a:schemeClr val="lt1"/>
+          </a:fontRef>
+        </p:style>
+        <p:txBody>
+          <a:bodyPr rtlCol="0" anchor="ctr"/>
+          <a:lstStyle/>
+          <a:p>
+            <a:pPr algn="ctr"/>
+            <a:r>
+              <a:rPr lang="en-US" altLang="zh-CN" sz="1050" b="1" dirty="0"/>
+              <a:t>rec-category list (group)</a:t>
+            </a:r>
+            <a:endParaRPr lang="zh-CN" altLang="en-US" sz="1050" b="1" dirty="0"/>
+          </a:p>
+        </p:txBody>
+      </p:sp>
+      <p:cxnSp>
+        <p:nvCxnSpPr>
+          <p:cNvPr id="226" name="连接符: 肘形 225">
+            <a:extLst>
+              <a:ext uri="{FF2B5EF4-FFF2-40B4-BE49-F238E27FC236}">
+                <a16:creationId xmlns:a16="http://schemas.microsoft.com/office/drawing/2014/main" id="{65E51955-742E-4530-B25E-761AFC03E900}"/>
+              </a:ext>
+            </a:extLst>
+          </p:cNvPr>
+          <p:cNvCxnSpPr>
+            <a:cxnSpLocks/>
+            <a:stCxn id="121" idx="3"/>
+            <a:endCxn id="129" idx="2"/>
+          </p:cNvCxnSpPr>
+          <p:nvPr/>
+        </p:nvCxnSpPr>
+        <p:spPr>
+          <a:xfrm>
+            <a:off x="6355080" y="4705340"/>
+            <a:ext cx="417938" cy="195272"/>
+          </a:xfrm>
+          <a:prstGeom prst="bentConnector3">
+            <a:avLst>
+              <a:gd name="adj1" fmla="val 50000"/>
+            </a:avLst>
+          </a:prstGeom>
+          <a:ln w="44450">
+            <a:solidFill>
+              <a:schemeClr val="accent6">
+                <a:lumMod val="50000"/>
+              </a:schemeClr>
+            </a:solidFill>
+            <a:tailEnd type="triangle"/>
+          </a:ln>
+        </p:spPr>
+        <p:style>
+          <a:lnRef idx="1">
+            <a:schemeClr val="accent1"/>
+          </a:lnRef>
+          <a:fillRef idx="0">
+            <a:schemeClr val="accent1"/>
+          </a:fillRef>
+          <a:effectRef idx="0">
+            <a:schemeClr val="accent1"/>
+          </a:effectRef>
+          <a:fontRef idx="minor">
+            <a:schemeClr val="tx1"/>
+          </a:fontRef>
+        </p:style>
+      </p:cxnSp>
+      <p:cxnSp>
+        <p:nvCxnSpPr>
+          <p:cNvPr id="230" name="连接符: 肘形 229">
+            <a:extLst>
+              <a:ext uri="{FF2B5EF4-FFF2-40B4-BE49-F238E27FC236}">
+                <a16:creationId xmlns:a16="http://schemas.microsoft.com/office/drawing/2014/main" id="{C5DAA19B-1B5A-44BA-A14C-D9968E527201}"/>
+              </a:ext>
+            </a:extLst>
+          </p:cNvPr>
+          <p:cNvCxnSpPr>
+            <a:cxnSpLocks/>
+            <a:stCxn id="224" idx="3"/>
+            <a:endCxn id="129" idx="2"/>
+          </p:cNvCxnSpPr>
+          <p:nvPr/>
+        </p:nvCxnSpPr>
+        <p:spPr>
+          <a:xfrm flipV="1">
+            <a:off x="6363532" y="4900612"/>
+            <a:ext cx="409486" cy="197397"/>
+          </a:xfrm>
+          <a:prstGeom prst="bentConnector3">
+            <a:avLst>
+              <a:gd name="adj1" fmla="val 49302"/>
+            </a:avLst>
+          </a:prstGeom>
+          <a:ln w="44450">
+            <a:solidFill>
+              <a:schemeClr val="accent6">
+                <a:lumMod val="50000"/>
+              </a:schemeClr>
+            </a:solidFill>
+            <a:tailEnd type="triangle"/>
+          </a:ln>
+        </p:spPr>
+        <p:style>
+          <a:lnRef idx="1">
+            <a:schemeClr val="accent1"/>
+          </a:lnRef>
+          <a:fillRef idx="0">
+            <a:schemeClr val="accent1"/>
+          </a:fillRef>
+          <a:effectRef idx="0">
+            <a:schemeClr val="accent1"/>
+          </a:effectRef>
+          <a:fontRef idx="minor">
+            <a:schemeClr val="tx1"/>
+          </a:fontRef>
+        </p:style>
+      </p:cxnSp>
+      <p:cxnSp>
+        <p:nvCxnSpPr>
+          <p:cNvPr id="248" name="直接箭头连接符 247">
+            <a:extLst>
+              <a:ext uri="{FF2B5EF4-FFF2-40B4-BE49-F238E27FC236}">
+                <a16:creationId xmlns:a16="http://schemas.microsoft.com/office/drawing/2014/main" id="{DA1BF5CF-4CE7-47CE-BDCD-57A8C4C1F39B}"/>
+              </a:ext>
+            </a:extLst>
+          </p:cNvPr>
+          <p:cNvCxnSpPr>
+            <a:cxnSpLocks/>
+            <a:stCxn id="105" idx="3"/>
+            <a:endCxn id="92" idx="1"/>
+          </p:cNvCxnSpPr>
+          <p:nvPr/>
+        </p:nvCxnSpPr>
+        <p:spPr>
+          <a:xfrm flipV="1">
+            <a:off x="3310275" y="3557385"/>
+            <a:ext cx="2079124" cy="4155"/>
+          </a:xfrm>
+          <a:prstGeom prst="straightConnector1">
+            <a:avLst/>
+          </a:prstGeom>
+          <a:ln w="44450">
+            <a:solidFill>
+              <a:srgbClr val="002060"/>
+            </a:solidFill>
+            <a:tailEnd type="triangle"/>
+          </a:ln>
+        </p:spPr>
+        <p:style>
+          <a:lnRef idx="1">
+            <a:schemeClr val="accent1"/>
+          </a:lnRef>
+          <a:fillRef idx="0">
+            <a:schemeClr val="accent1"/>
+          </a:fillRef>
+          <a:effectRef idx="0">
+            <a:schemeClr val="accent1"/>
+          </a:effectRef>
+          <a:fontRef idx="minor">
+            <a:schemeClr val="tx1"/>
+          </a:fontRef>
+        </p:style>
+      </p:cxnSp>
+      <p:cxnSp>
+        <p:nvCxnSpPr>
+          <p:cNvPr id="289" name="直接箭头连接符 288">
+            <a:extLst>
+              <a:ext uri="{FF2B5EF4-FFF2-40B4-BE49-F238E27FC236}">
+                <a16:creationId xmlns:a16="http://schemas.microsoft.com/office/drawing/2014/main" id="{15D422B0-92D4-49A7-BE29-0627C27690D5}"/>
+              </a:ext>
+            </a:extLst>
+          </p:cNvPr>
+          <p:cNvCxnSpPr>
+            <a:cxnSpLocks/>
+            <a:stCxn id="92" idx="3"/>
+            <a:endCxn id="152" idx="2"/>
+          </p:cNvCxnSpPr>
+          <p:nvPr/>
+        </p:nvCxnSpPr>
+        <p:spPr>
+          <a:xfrm>
+            <a:off x="6363532" y="3557385"/>
+            <a:ext cx="1454830" cy="0"/>
           </a:xfrm>
           <a:prstGeom prst="straightConnector1">
             <a:avLst/>
@@ -5765,212 +6346,83 @@
           </a:fontRef>
         </p:style>
       </p:cxnSp>
-      <p:sp>
-        <p:nvSpPr>
-          <p:cNvPr id="467" name="矩形 466">
-            <a:extLst>
-              <a:ext uri="{FF2B5EF4-FFF2-40B4-BE49-F238E27FC236}">
-                <a16:creationId xmlns:a16="http://schemas.microsoft.com/office/drawing/2014/main" id="{14AA9342-E76D-4B49-9E4E-2D9810E83573}"/>
-              </a:ext>
-            </a:extLst>
-          </p:cNvPr>
-          <p:cNvSpPr/>
-          <p:nvPr/>
-        </p:nvSpPr>
-        <p:spPr>
-          <a:xfrm>
-            <a:off x="782617" y="4597340"/>
-            <a:ext cx="1779608" cy="915676"/>
-          </a:xfrm>
-          <a:prstGeom prst="rect">
-            <a:avLst/>
-          </a:prstGeom>
-          <a:solidFill>
-            <a:srgbClr val="002060">
-              <a:alpha val="60000"/>
-            </a:srgbClr>
-          </a:solidFill>
-          <a:ln>
-            <a:noFill/>
-          </a:ln>
-        </p:spPr>
-        <p:style>
-          <a:lnRef idx="2">
-            <a:schemeClr val="accent1">
-              <a:shade val="50000"/>
-            </a:schemeClr>
-          </a:lnRef>
-          <a:fillRef idx="1">
-            <a:schemeClr val="accent1"/>
-          </a:fillRef>
-          <a:effectRef idx="0">
-            <a:schemeClr val="accent1"/>
-          </a:effectRef>
-          <a:fontRef idx="minor">
-            <a:schemeClr val="lt1"/>
-          </a:fontRef>
-        </p:style>
-        <p:txBody>
-          <a:bodyPr rtlCol="0" anchor="t" anchorCtr="0"/>
-          <a:lstStyle/>
-          <a:p>
-            <a:pPr algn="ctr"/>
-            <a:r>
-              <a:rPr lang="en-US" altLang="zh-CN" sz="1400" b="1" dirty="0"/>
-              <a:t>Personal History</a:t>
-            </a:r>
-            <a:endParaRPr lang="zh-CN" altLang="en-US" sz="1400" b="1" dirty="0"/>
-          </a:p>
-        </p:txBody>
-      </p:sp>
-      <p:sp>
-        <p:nvSpPr>
-          <p:cNvPr id="18" name="矩形 17">
-            <a:extLst>
-              <a:ext uri="{FF2B5EF4-FFF2-40B4-BE49-F238E27FC236}">
-                <a16:creationId xmlns:a16="http://schemas.microsoft.com/office/drawing/2014/main" id="{B522D88C-2514-4960-BA27-65082B72A3EA}"/>
-              </a:ext>
-            </a:extLst>
-          </p:cNvPr>
-          <p:cNvSpPr/>
-          <p:nvPr/>
-        </p:nvSpPr>
-        <p:spPr>
-          <a:xfrm>
-            <a:off x="845204" y="4985768"/>
-            <a:ext cx="705934" cy="446564"/>
-          </a:xfrm>
-          <a:prstGeom prst="rect">
-            <a:avLst/>
-          </a:prstGeom>
-          <a:solidFill>
-            <a:srgbClr val="002060">
-              <a:alpha val="90000"/>
-            </a:srgbClr>
-          </a:solidFill>
-        </p:spPr>
-        <p:style>
-          <a:lnRef idx="2">
-            <a:schemeClr val="accent1">
-              <a:shade val="50000"/>
-            </a:schemeClr>
-          </a:lnRef>
-          <a:fillRef idx="1">
-            <a:schemeClr val="accent1"/>
-          </a:fillRef>
-          <a:effectRef idx="0">
-            <a:schemeClr val="accent1"/>
-          </a:effectRef>
-          <a:fontRef idx="minor">
-            <a:schemeClr val="lt1"/>
-          </a:fontRef>
-        </p:style>
-        <p:txBody>
-          <a:bodyPr rtlCol="0" anchor="ctr"/>
-          <a:lstStyle/>
-          <a:p>
-            <a:pPr algn="ctr"/>
-            <a:r>
-              <a:rPr lang="en-US" altLang="zh-CN" sz="1400" b="1" dirty="0"/>
-              <a:t>Data</a:t>
-            </a:r>
-            <a:r>
-              <a:rPr lang="zh-CN" altLang="en-US" sz="1400" b="1" dirty="0"/>
-              <a:t> </a:t>
-            </a:r>
-            <a:r>
-              <a:rPr lang="en-US" altLang="zh-CN" sz="1400" b="1" dirty="0"/>
-              <a:t>Base</a:t>
-            </a:r>
-            <a:endParaRPr lang="zh-CN" altLang="en-US" sz="1400" b="1" dirty="0"/>
-          </a:p>
-        </p:txBody>
-      </p:sp>
-      <p:sp>
-        <p:nvSpPr>
-          <p:cNvPr id="471" name="矩形 470">
-            <a:extLst>
-              <a:ext uri="{FF2B5EF4-FFF2-40B4-BE49-F238E27FC236}">
-                <a16:creationId xmlns:a16="http://schemas.microsoft.com/office/drawing/2014/main" id="{8A310539-AA73-497B-B611-BA4A76CEF16D}"/>
-              </a:ext>
-            </a:extLst>
-          </p:cNvPr>
-          <p:cNvSpPr/>
-          <p:nvPr/>
-        </p:nvSpPr>
-        <p:spPr>
-          <a:xfrm>
-            <a:off x="1600816" y="4977176"/>
-            <a:ext cx="904084" cy="459847"/>
-          </a:xfrm>
-          <a:prstGeom prst="rect">
-            <a:avLst/>
-          </a:prstGeom>
-          <a:solidFill>
-            <a:srgbClr val="002060">
-              <a:alpha val="90000"/>
-            </a:srgbClr>
-          </a:solidFill>
-        </p:spPr>
-        <p:style>
-          <a:lnRef idx="2">
-            <a:schemeClr val="accent1">
-              <a:shade val="50000"/>
-            </a:schemeClr>
-          </a:lnRef>
-          <a:fillRef idx="1">
-            <a:schemeClr val="accent1"/>
-          </a:fillRef>
-          <a:effectRef idx="0">
-            <a:schemeClr val="accent1"/>
-          </a:effectRef>
-          <a:fontRef idx="minor">
-            <a:schemeClr val="lt1"/>
-          </a:fontRef>
-        </p:style>
-        <p:txBody>
-          <a:bodyPr rtlCol="0" anchor="ctr"/>
-          <a:lstStyle/>
-          <a:p>
-            <a:pPr algn="ctr"/>
-            <a:r>
-              <a:rPr lang="en-US" altLang="zh-CN" sz="1400" b="1" dirty="0"/>
-              <a:t>Personal History</a:t>
-            </a:r>
-            <a:endParaRPr lang="zh-CN" altLang="en-US" sz="1400" b="1" dirty="0"/>
-          </a:p>
-        </p:txBody>
-      </p:sp>
       <p:cxnSp>
         <p:nvCxnSpPr>
-          <p:cNvPr id="484" name="连接符: 肘形 483">
-            <a:extLst>
-              <a:ext uri="{FF2B5EF4-FFF2-40B4-BE49-F238E27FC236}">
-                <a16:creationId xmlns:a16="http://schemas.microsoft.com/office/drawing/2014/main" id="{12846497-D08F-49CF-B6EE-516A9AB191B2}"/>
+          <p:cNvPr id="290" name="连接符: 肘形 289">
+            <a:extLst>
+              <a:ext uri="{FF2B5EF4-FFF2-40B4-BE49-F238E27FC236}">
+                <a16:creationId xmlns:a16="http://schemas.microsoft.com/office/drawing/2014/main" id="{D3F2D86C-ED04-401E-BA63-84CB42490E8B}"/>
               </a:ext>
             </a:extLst>
           </p:cNvPr>
           <p:cNvCxnSpPr>
             <a:cxnSpLocks/>
+            <a:stCxn id="443" idx="0"/>
+            <a:endCxn id="12" idx="0"/>
           </p:cNvCxnSpPr>
           <p:nvPr/>
         </p:nvCxnSpPr>
         <p:spPr>
-          <a:xfrm rot="5400000" flipH="1" flipV="1">
-            <a:off x="1911094" y="4500094"/>
-            <a:ext cx="222989" cy="1613124"/>
-          </a:xfrm>
-          <a:prstGeom prst="bentConnector4">
+          <a:xfrm rot="16200000" flipV="1">
+            <a:off x="3339643" y="-1475025"/>
+            <a:ext cx="8291" cy="4244973"/>
+          </a:xfrm>
+          <a:prstGeom prst="bentConnector3">
             <a:avLst>
-              <a:gd name="adj1" fmla="val -76888"/>
-              <a:gd name="adj2" fmla="val 85897"/>
+              <a:gd name="adj1" fmla="val 2535533"/>
             </a:avLst>
           </a:prstGeom>
-          <a:ln w="44450">
+          <a:ln w="38100">
             <a:solidFill>
-              <a:schemeClr val="accent6">
-                <a:lumMod val="50000"/>
-              </a:schemeClr>
+              <a:srgbClr val="FFFF00"/>
+            </a:solidFill>
+            <a:tailEnd type="triangle"/>
+          </a:ln>
+        </p:spPr>
+        <p:style>
+          <a:lnRef idx="1">
+            <a:schemeClr val="accent1"/>
+          </a:lnRef>
+          <a:fillRef idx="0">
+            <a:schemeClr val="accent1"/>
+          </a:fillRef>
+          <a:effectRef idx="0">
+            <a:schemeClr val="accent1"/>
+          </a:effectRef>
+          <a:fontRef idx="minor">
+            <a:schemeClr val="tx1"/>
+          </a:fontRef>
+        </p:style>
+      </p:cxnSp>
+      <p:cxnSp>
+        <p:nvCxnSpPr>
+          <p:cNvPr id="291" name="连接符: 肘形 290">
+            <a:extLst>
+              <a:ext uri="{FF2B5EF4-FFF2-40B4-BE49-F238E27FC236}">
+                <a16:creationId xmlns:a16="http://schemas.microsoft.com/office/drawing/2014/main" id="{F77EC153-79EF-422E-B659-273502E901EC}"/>
+              </a:ext>
+            </a:extLst>
+          </p:cNvPr>
+          <p:cNvCxnSpPr>
+            <a:cxnSpLocks/>
+            <a:stCxn id="443" idx="0"/>
+            <a:endCxn id="13" idx="0"/>
+          </p:cNvCxnSpPr>
+          <p:nvPr/>
+        </p:nvCxnSpPr>
+        <p:spPr>
+          <a:xfrm rot="16200000" flipV="1">
+            <a:off x="4090248" y="-724419"/>
+            <a:ext cx="5283" cy="2746770"/>
+          </a:xfrm>
+          <a:prstGeom prst="bentConnector3">
+            <a:avLst>
+              <a:gd name="adj1" fmla="val 3922222"/>
+            </a:avLst>
+          </a:prstGeom>
+          <a:ln w="38100">
+            <a:solidFill>
+              <a:srgbClr val="FFFF00"/>
             </a:solidFill>
             <a:tailEnd type="triangle"/>
           </a:ln>

--- a/pic/系统设计简图.pptx
+++ b/pic/系统设计简图.pptx
@@ -3776,7 +3776,7 @@
         </p:nvSpPr>
         <p:spPr>
           <a:xfrm>
-            <a:off x="377700" y="1821668"/>
+            <a:off x="579922" y="1907393"/>
             <a:ext cx="8547225" cy="4737881"/>
           </a:xfrm>
           <a:prstGeom prst="roundRect">
@@ -3822,10 +3822,10 @@
       </p:sp>
       <p:sp>
         <p:nvSpPr>
-          <p:cNvPr id="69" name="矩形: 单圆角 68">
-            <a:extLst>
-              <a:ext uri="{FF2B5EF4-FFF2-40B4-BE49-F238E27FC236}">
-                <a16:creationId xmlns:a16="http://schemas.microsoft.com/office/drawing/2014/main" id="{F6E6E09C-0745-4B67-87FE-B03D36E23B5C}"/>
+          <p:cNvPr id="57" name="矩形: 单圆角 56">
+            <a:extLst>
+              <a:ext uri="{FF2B5EF4-FFF2-40B4-BE49-F238E27FC236}">
+                <a16:creationId xmlns:a16="http://schemas.microsoft.com/office/drawing/2014/main" id="{34C0371C-6ABF-4744-938E-8CCAE02E4255}"/>
               </a:ext>
             </a:extLst>
           </p:cNvPr>
@@ -3834,8 +3834,8 @@
         </p:nvSpPr>
         <p:spPr>
           <a:xfrm>
-            <a:off x="659145" y="2492929"/>
-            <a:ext cx="2974644" cy="1428763"/>
+            <a:off x="5648559" y="2519175"/>
+            <a:ext cx="3054060" cy="3716616"/>
           </a:xfrm>
           <a:prstGeom prst="round1Rect">
             <a:avLst/>
@@ -3876,7 +3876,7 @@
                   <a:schemeClr val="tx2"/>
                 </a:solidFill>
               </a:rPr>
-              <a:t>Real-Time Module (Kafka)</a:t>
+              <a:t>Recommend Module</a:t>
             </a:r>
             <a:endParaRPr lang="zh-CN" altLang="en-US" sz="1400" b="1" dirty="0">
               <a:solidFill>
@@ -3888,10 +3888,10 @@
       </p:sp>
       <p:sp>
         <p:nvSpPr>
-          <p:cNvPr id="273" name="箭头: 下 272">
-            <a:extLst>
-              <a:ext uri="{FF2B5EF4-FFF2-40B4-BE49-F238E27FC236}">
-                <a16:creationId xmlns:a16="http://schemas.microsoft.com/office/drawing/2014/main" id="{C37D5B0A-4A20-4C48-AE74-1939AC7FFF91}"/>
+          <p:cNvPr id="69" name="矩形: 单圆角 68">
+            <a:extLst>
+              <a:ext uri="{FF2B5EF4-FFF2-40B4-BE49-F238E27FC236}">
+                <a16:creationId xmlns:a16="http://schemas.microsoft.com/office/drawing/2014/main" id="{F6E6E09C-0745-4B67-87FE-B03D36E23B5C}"/>
               </a:ext>
             </a:extLst>
           </p:cNvPr>
@@ -3899,9 +3899,75 @@
           <p:nvPr/>
         </p:nvSpPr>
         <p:spPr>
+          <a:xfrm>
+            <a:off x="861367" y="2578654"/>
+            <a:ext cx="2974644" cy="1428763"/>
+          </a:xfrm>
+          <a:prstGeom prst="round1Rect">
+            <a:avLst/>
+          </a:prstGeom>
+          <a:solidFill>
+            <a:srgbClr val="FFFF66">
+              <a:alpha val="70000"/>
+            </a:srgbClr>
+          </a:solidFill>
+          <a:ln>
+            <a:noFill/>
+          </a:ln>
+        </p:spPr>
+        <p:style>
+          <a:lnRef idx="2">
+            <a:schemeClr val="accent1">
+              <a:shade val="50000"/>
+            </a:schemeClr>
+          </a:lnRef>
+          <a:fillRef idx="1">
+            <a:schemeClr val="accent1"/>
+          </a:fillRef>
+          <a:effectRef idx="0">
+            <a:schemeClr val="accent1"/>
+          </a:effectRef>
+          <a:fontRef idx="minor">
+            <a:schemeClr val="lt1"/>
+          </a:fontRef>
+        </p:style>
+        <p:txBody>
+          <a:bodyPr rtlCol="0" anchor="t" anchorCtr="0"/>
+          <a:lstStyle/>
+          <a:p>
+            <a:pPr algn="ctr"/>
+            <a:r>
+              <a:rPr lang="en-US" altLang="zh-CN" sz="1400" b="1" dirty="0">
+                <a:solidFill>
+                  <a:schemeClr val="tx2"/>
+                </a:solidFill>
+              </a:rPr>
+              <a:t>Real-Time Module (Kafka)</a:t>
+            </a:r>
+            <a:endParaRPr lang="zh-CN" altLang="en-US" sz="1400" b="1" dirty="0">
+              <a:solidFill>
+                <a:schemeClr val="tx2"/>
+              </a:solidFill>
+            </a:endParaRPr>
+          </a:p>
+        </p:txBody>
+      </p:sp>
+      <p:sp>
+        <p:nvSpPr>
+          <p:cNvPr id="273" name="箭头: 下 272">
+            <a:extLst>
+              <a:ext uri="{FF2B5EF4-FFF2-40B4-BE49-F238E27FC236}">
+                <a16:creationId xmlns:a16="http://schemas.microsoft.com/office/drawing/2014/main" id="{C37D5B0A-4A20-4C48-AE74-1939AC7FFF91}"/>
+              </a:ext>
+            </a:extLst>
+          </p:cNvPr>
+          <p:cNvSpPr/>
+          <p:nvPr/>
+        </p:nvSpPr>
+        <p:spPr>
           <a:xfrm rot="16200000">
-            <a:off x="2991332" y="3002461"/>
-            <a:ext cx="375303" cy="2044894"/>
+            <a:off x="3226498" y="2406361"/>
+            <a:ext cx="420201" cy="3488608"/>
           </a:xfrm>
           <a:prstGeom prst="downArrow">
             <a:avLst/>
@@ -3966,7 +4032,7 @@
         </p:nvSpPr>
         <p:spPr>
           <a:xfrm rot="16200000">
-            <a:off x="2929790" y="4045454"/>
+            <a:off x="3132012" y="4131179"/>
             <a:ext cx="498387" cy="4651310"/>
           </a:xfrm>
           <a:prstGeom prst="downArrow">
@@ -4032,7 +4098,7 @@
         </p:nvSpPr>
         <p:spPr>
           <a:xfrm>
-            <a:off x="377700" y="1"/>
+            <a:off x="579922" y="85726"/>
             <a:ext cx="7184803" cy="1372816"/>
           </a:xfrm>
           <a:prstGeom prst="roundRect">
@@ -4090,7 +4156,7 @@
         </p:nvSpPr>
         <p:spPr>
           <a:xfrm>
-            <a:off x="551845" y="643316"/>
+            <a:off x="754067" y="729041"/>
             <a:ext cx="1338911" cy="623060"/>
           </a:xfrm>
           <a:prstGeom prst="round1Rect">
@@ -4122,7 +4188,7 @@
           </a:fontRef>
         </p:style>
         <p:txBody>
-          <a:bodyPr rtlCol="0" anchor="ctr"/>
+          <a:bodyPr rtlCol="0" anchor="t" anchorCtr="0"/>
           <a:lstStyle/>
           <a:p>
             <a:pPr algn="ctr"/>
@@ -4156,7 +4222,7 @@
         </p:nvSpPr>
         <p:spPr>
           <a:xfrm>
-            <a:off x="2019085" y="646324"/>
+            <a:off x="2221307" y="732049"/>
             <a:ext cx="1400838" cy="623060"/>
           </a:xfrm>
           <a:prstGeom prst="round1Rect">
@@ -4222,7 +4288,7 @@
         </p:nvSpPr>
         <p:spPr>
           <a:xfrm>
-            <a:off x="659143" y="4253020"/>
+            <a:off x="861365" y="4338745"/>
             <a:ext cx="4651311" cy="1897046"/>
           </a:xfrm>
           <a:prstGeom prst="round1Rect">
@@ -4292,7 +4358,7 @@
         </p:nvCxnSpPr>
         <p:spPr>
           <a:xfrm rot="5400000">
-            <a:off x="-977194" y="3027709"/>
+            <a:off x="-774972" y="3113434"/>
             <a:ext cx="3959828" cy="437163"/>
           </a:xfrm>
           <a:prstGeom prst="bentConnector4">
@@ -4337,7 +4403,7 @@
         </p:nvSpPr>
         <p:spPr>
           <a:xfrm>
-            <a:off x="2938221" y="4917982"/>
+            <a:off x="3140443" y="5003707"/>
             <a:ext cx="2112529" cy="915676"/>
           </a:xfrm>
           <a:prstGeom prst="rect">
@@ -4395,7 +4461,7 @@
         </p:nvSpPr>
         <p:spPr>
           <a:xfrm>
-            <a:off x="1704982" y="5688634"/>
+            <a:off x="1907204" y="5774359"/>
             <a:ext cx="699908" cy="375303"/>
           </a:xfrm>
           <a:prstGeom prst="snip2DiagRect">
@@ -4457,7 +4523,7 @@
         </p:nvCxnSpPr>
         <p:spPr>
           <a:xfrm rot="5400000">
-            <a:off x="676331" y="1329820"/>
+            <a:off x="878553" y="1415545"/>
             <a:ext cx="2134036" cy="1921463"/>
           </a:xfrm>
           <a:prstGeom prst="bentConnector4">
@@ -4502,7 +4568,7 @@
         </p:nvSpPr>
         <p:spPr>
           <a:xfrm>
-            <a:off x="782617" y="2829377"/>
+            <a:off x="984839" y="2915102"/>
             <a:ext cx="2599053" cy="1056384"/>
           </a:xfrm>
           <a:prstGeom prst="rect">
@@ -4575,7 +4641,7 @@
         </p:nvSpPr>
         <p:spPr>
           <a:xfrm>
-            <a:off x="853327" y="3310878"/>
+            <a:off x="1055549" y="3396603"/>
             <a:ext cx="1123531" cy="512170"/>
           </a:xfrm>
           <a:prstGeom prst="rect">
@@ -4630,7 +4696,7 @@
         </p:nvSpPr>
         <p:spPr>
           <a:xfrm>
-            <a:off x="2186744" y="3305455"/>
+            <a:off x="2388966" y="3391180"/>
             <a:ext cx="1123531" cy="512170"/>
           </a:xfrm>
           <a:prstGeom prst="rect">
@@ -4693,7 +4759,7 @@
         </p:nvSpPr>
         <p:spPr>
           <a:xfrm>
-            <a:off x="6773018" y="4712960"/>
+            <a:off x="7535959" y="4809200"/>
             <a:ext cx="754988" cy="375303"/>
           </a:xfrm>
           <a:prstGeom prst="snip2SameRect">
@@ -4760,8 +4826,8 @@
         </p:nvCxnSpPr>
         <p:spPr>
           <a:xfrm flipV="1">
-            <a:off x="4978679" y="5253866"/>
-            <a:ext cx="776350" cy="275118"/>
+            <a:off x="5180901" y="5350106"/>
+            <a:ext cx="1220424" cy="264603"/>
           </a:xfrm>
           <a:prstGeom prst="bentConnector2">
             <a:avLst/>
@@ -4802,7 +4868,7 @@
         </p:nvSpPr>
         <p:spPr>
           <a:xfrm>
-            <a:off x="7818362" y="3302079"/>
+            <a:off x="7651309" y="3387804"/>
             <a:ext cx="926923" cy="510611"/>
           </a:xfrm>
           <a:prstGeom prst="snip2SameRect">
@@ -4868,13 +4934,15 @@
           <p:nvPr/>
         </p:nvCxnSpPr>
         <p:spPr>
-          <a:xfrm flipV="1">
-            <a:off x="7528006" y="3557385"/>
-            <a:ext cx="290356" cy="1343227"/>
-          </a:xfrm>
-          <a:prstGeom prst="bentConnector3">
+          <a:xfrm flipH="1" flipV="1">
+            <a:off x="7651309" y="3643110"/>
+            <a:ext cx="639638" cy="1353742"/>
+          </a:xfrm>
+          <a:prstGeom prst="bentConnector5">
             <a:avLst>
-              <a:gd name="adj1" fmla="val 21132"/>
+              <a:gd name="adj1" fmla="val -35739"/>
+              <a:gd name="adj2" fmla="val 47501"/>
+              <a:gd name="adj3" fmla="val 135739"/>
             </a:avLst>
           </a:prstGeom>
           <a:ln w="44450">
@@ -4919,18 +4987,20 @@
         </p:nvCxnSpPr>
         <p:spPr>
           <a:xfrm flipH="1" flipV="1">
-            <a:off x="4144493" y="1274667"/>
-            <a:ext cx="4600792" cy="2282718"/>
+            <a:off x="4346715" y="1360392"/>
+            <a:ext cx="4231517" cy="2282718"/>
           </a:xfrm>
           <a:prstGeom prst="bentConnector4">
             <a:avLst>
-              <a:gd name="adj1" fmla="val -1988"/>
-              <a:gd name="adj2" fmla="val 79168"/>
+              <a:gd name="adj1" fmla="val -1870"/>
+              <a:gd name="adj2" fmla="val 79087"/>
             </a:avLst>
           </a:prstGeom>
           <a:ln w="44450">
             <a:solidFill>
-              <a:srgbClr val="002060"/>
+              <a:schemeClr val="accent6">
+                <a:lumMod val="50000"/>
+              </a:schemeClr>
             </a:solidFill>
             <a:tailEnd type="triangle"/>
           </a:ln>
@@ -4964,7 +5034,7 @@
         </p:nvSpPr>
         <p:spPr>
           <a:xfrm>
-            <a:off x="2744795" y="1294355"/>
+            <a:off x="2947017" y="1380080"/>
             <a:ext cx="443326" cy="1243892"/>
           </a:xfrm>
           <a:prstGeom prst="downArrow">
@@ -5030,8 +5100,8 @@
         </p:nvSpPr>
         <p:spPr>
           <a:xfrm>
-            <a:off x="-31786" y="1542368"/>
-            <a:ext cx="449235" cy="3630401"/>
+            <a:off x="82030" y="1628093"/>
+            <a:ext cx="493681" cy="3630401"/>
           </a:xfrm>
           <a:prstGeom prst="downArrow">
             <a:avLst/>
@@ -5096,7 +5166,7 @@
         </p:nvSpPr>
         <p:spPr>
           <a:xfrm rot="10800000">
-            <a:off x="8800676" y="1996247"/>
+            <a:off x="8702619" y="1859982"/>
             <a:ext cx="500618" cy="1971908"/>
           </a:xfrm>
           <a:prstGeom prst="downArrow">
@@ -5162,7 +5232,7 @@
         </p:nvSpPr>
         <p:spPr>
           <a:xfrm>
-            <a:off x="2094525" y="984961"/>
+            <a:off x="2296747" y="1070686"/>
             <a:ext cx="1219109" cy="238572"/>
           </a:xfrm>
           <a:prstGeom prst="snip2SameRect">
@@ -5220,7 +5290,7 @@
         </p:nvSpPr>
         <p:spPr>
           <a:xfrm>
-            <a:off x="3547281" y="651607"/>
+            <a:off x="3749503" y="737332"/>
             <a:ext cx="1194423" cy="623060"/>
           </a:xfrm>
           <a:prstGeom prst="round1Rect">
@@ -5286,7 +5356,7 @@
         </p:nvSpPr>
         <p:spPr>
           <a:xfrm>
-            <a:off x="2985209" y="5272899"/>
+            <a:off x="3187431" y="5358624"/>
             <a:ext cx="996788" cy="512170"/>
           </a:xfrm>
           <a:prstGeom prst="rect">
@@ -5341,7 +5411,7 @@
         </p:nvSpPr>
         <p:spPr>
           <a:xfrm>
-            <a:off x="4223691" y="5272899"/>
+            <a:off x="4425913" y="5358624"/>
             <a:ext cx="754988" cy="512170"/>
           </a:xfrm>
           <a:prstGeom prst="rect">
@@ -5400,12 +5470,12 @@
         </p:nvCxnSpPr>
         <p:spPr>
           <a:xfrm flipV="1">
-            <a:off x="2609066" y="4705340"/>
-            <a:ext cx="2529008" cy="518914"/>
+            <a:off x="2811288" y="4801580"/>
+            <a:ext cx="2973082" cy="508399"/>
           </a:xfrm>
           <a:prstGeom prst="bentConnector3">
             <a:avLst>
-              <a:gd name="adj1" fmla="val 7667"/>
+              <a:gd name="adj1" fmla="val 3570"/>
             </a:avLst>
           </a:prstGeom>
           <a:ln w="44450">
@@ -5444,7 +5514,7 @@
         </p:nvSpPr>
         <p:spPr>
           <a:xfrm>
-            <a:off x="4869062" y="651607"/>
+            <a:off x="5071284" y="737332"/>
             <a:ext cx="1194423" cy="623060"/>
           </a:xfrm>
           <a:prstGeom prst="round1Rect">
@@ -5510,7 +5580,7 @@
         </p:nvSpPr>
         <p:spPr>
           <a:xfrm>
-            <a:off x="6139815" y="651607"/>
+            <a:off x="6342037" y="737332"/>
             <a:ext cx="1194423" cy="623060"/>
           </a:xfrm>
           <a:prstGeom prst="round1Rect">
@@ -5576,7 +5646,7 @@
         </p:nvSpPr>
         <p:spPr>
           <a:xfrm>
-            <a:off x="721551" y="4614494"/>
+            <a:off x="923773" y="4700219"/>
             <a:ext cx="1921464" cy="915676"/>
           </a:xfrm>
           <a:prstGeom prst="rect">
@@ -5634,7 +5704,7 @@
         </p:nvSpPr>
         <p:spPr>
           <a:xfrm>
-            <a:off x="784138" y="5002922"/>
+            <a:off x="986360" y="5088647"/>
             <a:ext cx="705934" cy="446564"/>
           </a:xfrm>
           <a:prstGeom prst="rect">
@@ -5697,7 +5767,7 @@
         </p:nvSpPr>
         <p:spPr>
           <a:xfrm>
-            <a:off x="1704982" y="4994330"/>
+            <a:off x="1907204" y="5080055"/>
             <a:ext cx="904084" cy="459847"/>
           </a:xfrm>
           <a:prstGeom prst="rect">
@@ -5756,7 +5826,7 @@
         </p:nvCxnSpPr>
         <p:spPr>
           <a:xfrm rot="16200000" flipH="1">
-            <a:off x="1207643" y="5378947"/>
+            <a:off x="1409865" y="5464672"/>
             <a:ext cx="426800" cy="567877"/>
           </a:xfrm>
           <a:prstGeom prst="bentConnector2">
@@ -5802,7 +5872,7 @@
         </p:nvCxnSpPr>
         <p:spPr>
           <a:xfrm flipV="1">
-            <a:off x="1976858" y="3561540"/>
+            <a:off x="2179080" y="3647265"/>
             <a:ext cx="209886" cy="5423"/>
           </a:xfrm>
           <a:prstGeom prst="straightConnector1">
@@ -5844,7 +5914,7 @@
         </p:nvSpPr>
         <p:spPr>
           <a:xfrm>
-            <a:off x="5389399" y="3100591"/>
+            <a:off x="6024377" y="3186315"/>
             <a:ext cx="974133" cy="913588"/>
           </a:xfrm>
           <a:prstGeom prst="rect">
@@ -5906,7 +5976,7 @@
         </p:nvSpPr>
         <p:spPr>
           <a:xfrm>
-            <a:off x="5138074" y="4549483"/>
+            <a:off x="5784370" y="4645723"/>
             <a:ext cx="1217006" cy="311714"/>
           </a:xfrm>
           <a:prstGeom prst="rect">
@@ -5970,7 +6040,7 @@
         </p:nvCxnSpPr>
         <p:spPr>
           <a:xfrm flipV="1">
-            <a:off x="1490072" y="5224254"/>
+            <a:off x="1692294" y="5309979"/>
             <a:ext cx="214910" cy="1950"/>
           </a:xfrm>
           <a:prstGeom prst="straightConnector1">
@@ -6016,7 +6086,7 @@
         </p:nvCxnSpPr>
         <p:spPr>
           <a:xfrm>
-            <a:off x="3981997" y="5528984"/>
+            <a:off x="4184219" y="5614709"/>
             <a:ext cx="241694" cy="0"/>
           </a:xfrm>
           <a:prstGeom prst="straightConnector1">
@@ -6062,7 +6132,7 @@
         </p:nvCxnSpPr>
         <p:spPr>
           <a:xfrm flipV="1">
-            <a:off x="2404890" y="5528984"/>
+            <a:off x="2607112" y="5614709"/>
             <a:ext cx="580319" cy="347302"/>
           </a:xfrm>
           <a:prstGeom prst="bentConnector3">
@@ -6106,7 +6176,7 @@
         </p:nvSpPr>
         <p:spPr>
           <a:xfrm>
-            <a:off x="5146526" y="4942152"/>
+            <a:off x="5792822" y="5038392"/>
             <a:ext cx="1217006" cy="311714"/>
           </a:xfrm>
           <a:prstGeom prst="rect">
@@ -6170,8 +6240,8 @@
         </p:nvCxnSpPr>
         <p:spPr>
           <a:xfrm>
-            <a:off x="6355080" y="4705340"/>
-            <a:ext cx="417938" cy="195272"/>
+            <a:off x="7001376" y="4801580"/>
+            <a:ext cx="534583" cy="195272"/>
           </a:xfrm>
           <a:prstGeom prst="bentConnector3">
             <a:avLst>
@@ -6220,12 +6290,12 @@
         </p:nvCxnSpPr>
         <p:spPr>
           <a:xfrm flipV="1">
-            <a:off x="6363532" y="4900612"/>
-            <a:ext cx="409486" cy="197397"/>
+            <a:off x="7009828" y="4996852"/>
+            <a:ext cx="526131" cy="197397"/>
           </a:xfrm>
           <a:prstGeom prst="bentConnector3">
             <a:avLst>
-              <a:gd name="adj1" fmla="val 49302"/>
+              <a:gd name="adj1" fmla="val 50001"/>
             </a:avLst>
           </a:prstGeom>
           <a:ln w="44450">
@@ -6270,8 +6340,8 @@
         </p:nvCxnSpPr>
         <p:spPr>
           <a:xfrm flipV="1">
-            <a:off x="3310275" y="3557385"/>
-            <a:ext cx="2079124" cy="4155"/>
+            <a:off x="3512497" y="3643109"/>
+            <a:ext cx="2511880" cy="4156"/>
           </a:xfrm>
           <a:prstGeom prst="straightConnector1">
             <a:avLst/>
@@ -6316,8 +6386,8 @@
         </p:nvCxnSpPr>
         <p:spPr>
           <a:xfrm>
-            <a:off x="6363532" y="3557385"/>
-            <a:ext cx="1454830" cy="0"/>
+            <a:off x="6998510" y="3643109"/>
+            <a:ext cx="652799" cy="1"/>
           </a:xfrm>
           <a:prstGeom prst="straightConnector1">
             <a:avLst/>
@@ -6364,7 +6434,7 @@
         </p:nvCxnSpPr>
         <p:spPr>
           <a:xfrm rot="16200000" flipV="1">
-            <a:off x="3339643" y="-1475025"/>
+            <a:off x="3541865" y="-1389300"/>
             <a:ext cx="8291" cy="4244973"/>
           </a:xfrm>
           <a:prstGeom prst="bentConnector3">
@@ -6412,7 +6482,7 @@
         </p:nvCxnSpPr>
         <p:spPr>
           <a:xfrm rot="16200000" flipV="1">
-            <a:off x="4090248" y="-724419"/>
+            <a:off x="4292470" y="-638694"/>
             <a:ext cx="5283" cy="2746770"/>
           </a:xfrm>
           <a:prstGeom prst="bentConnector3">
@@ -6442,6 +6512,64 @@
           </a:fontRef>
         </p:style>
       </p:cxnSp>
+      <p:sp>
+        <p:nvSpPr>
+          <p:cNvPr id="50" name="矩形: 剪去左右顶角 49">
+            <a:extLst>
+              <a:ext uri="{FF2B5EF4-FFF2-40B4-BE49-F238E27FC236}">
+                <a16:creationId xmlns:a16="http://schemas.microsoft.com/office/drawing/2014/main" id="{1846B534-31BF-4654-BD48-A46BC739E791}"/>
+              </a:ext>
+            </a:extLst>
+          </p:cNvPr>
+          <p:cNvSpPr/>
+          <p:nvPr/>
+        </p:nvSpPr>
+        <p:spPr>
+          <a:xfrm>
+            <a:off x="799739" y="1071073"/>
+            <a:ext cx="1219109" cy="238572"/>
+          </a:xfrm>
+          <a:prstGeom prst="snip2SameRect">
+            <a:avLst/>
+          </a:prstGeom>
+          <a:solidFill>
+            <a:srgbClr val="FF0000"/>
+          </a:solidFill>
+          <a:ln>
+            <a:solidFill>
+              <a:srgbClr val="FFC000"/>
+            </a:solidFill>
+          </a:ln>
+        </p:spPr>
+        <p:style>
+          <a:lnRef idx="2">
+            <a:schemeClr val="accent1">
+              <a:shade val="50000"/>
+            </a:schemeClr>
+          </a:lnRef>
+          <a:fillRef idx="1">
+            <a:schemeClr val="accent1"/>
+          </a:fillRef>
+          <a:effectRef idx="0">
+            <a:schemeClr val="accent1"/>
+          </a:effectRef>
+          <a:fontRef idx="minor">
+            <a:schemeClr val="lt1"/>
+          </a:fontRef>
+        </p:style>
+        <p:txBody>
+          <a:bodyPr rtlCol="0" anchor="ctr"/>
+          <a:lstStyle/>
+          <a:p>
+            <a:pPr algn="ctr"/>
+            <a:r>
+              <a:rPr lang="en-US" altLang="zh-CN" sz="1000" b="1" dirty="0"/>
+              <a:t>Onclick button</a:t>
+            </a:r>
+            <a:endParaRPr lang="zh-CN" altLang="en-US" sz="1000" b="1" dirty="0"/>
+          </a:p>
+        </p:txBody>
+      </p:sp>
     </p:spTree>
     <p:extLst>
       <p:ext uri="{BB962C8B-B14F-4D97-AF65-F5344CB8AC3E}">

--- a/pic/系统设计简图.pptx
+++ b/pic/系统设计简图.pptx
@@ -197,7 +197,7 @@
           <a:p>
             <a:fld id="{F7451BC5-8AC2-485C-AB9E-A164A9485D94}" type="datetimeFigureOut">
               <a:rPr lang="zh-CN" altLang="en-US" smtClean="0"/>
-              <a:t>2019/6/26</a:t>
+              <a:t>2019/6/27</a:t>
             </a:fld>
             <a:endParaRPr lang="zh-CN" altLang="en-US"/>
           </a:p>
@@ -695,7 +695,7 @@
           <a:p>
             <a:fld id="{E563215F-1B0C-42D9-87D4-445D022E5F64}" type="datetimeFigureOut">
               <a:rPr lang="zh-CN" altLang="en-US" smtClean="0"/>
-              <a:t>2019/6/26</a:t>
+              <a:t>2019/6/27</a:t>
             </a:fld>
             <a:endParaRPr lang="zh-CN" altLang="en-US"/>
           </a:p>
@@ -893,7 +893,7 @@
           <a:p>
             <a:fld id="{E563215F-1B0C-42D9-87D4-445D022E5F64}" type="datetimeFigureOut">
               <a:rPr lang="zh-CN" altLang="en-US" smtClean="0"/>
-              <a:t>2019/6/26</a:t>
+              <a:t>2019/6/27</a:t>
             </a:fld>
             <a:endParaRPr lang="zh-CN" altLang="en-US"/>
           </a:p>
@@ -1101,7 +1101,7 @@
           <a:p>
             <a:fld id="{E563215F-1B0C-42D9-87D4-445D022E5F64}" type="datetimeFigureOut">
               <a:rPr lang="zh-CN" altLang="en-US" smtClean="0"/>
-              <a:t>2019/6/26</a:t>
+              <a:t>2019/6/27</a:t>
             </a:fld>
             <a:endParaRPr lang="zh-CN" altLang="en-US"/>
           </a:p>
@@ -1299,7 +1299,7 @@
           <a:p>
             <a:fld id="{E563215F-1B0C-42D9-87D4-445D022E5F64}" type="datetimeFigureOut">
               <a:rPr lang="zh-CN" altLang="en-US" smtClean="0"/>
-              <a:t>2019/6/26</a:t>
+              <a:t>2019/6/27</a:t>
             </a:fld>
             <a:endParaRPr lang="zh-CN" altLang="en-US"/>
           </a:p>
@@ -1574,7 +1574,7 @@
           <a:p>
             <a:fld id="{E563215F-1B0C-42D9-87D4-445D022E5F64}" type="datetimeFigureOut">
               <a:rPr lang="zh-CN" altLang="en-US" smtClean="0"/>
-              <a:t>2019/6/26</a:t>
+              <a:t>2019/6/27</a:t>
             </a:fld>
             <a:endParaRPr lang="zh-CN" altLang="en-US"/>
           </a:p>
@@ -1839,7 +1839,7 @@
           <a:p>
             <a:fld id="{E563215F-1B0C-42D9-87D4-445D022E5F64}" type="datetimeFigureOut">
               <a:rPr lang="zh-CN" altLang="en-US" smtClean="0"/>
-              <a:t>2019/6/26</a:t>
+              <a:t>2019/6/27</a:t>
             </a:fld>
             <a:endParaRPr lang="zh-CN" altLang="en-US"/>
           </a:p>
@@ -2251,7 +2251,7 @@
           <a:p>
             <a:fld id="{E563215F-1B0C-42D9-87D4-445D022E5F64}" type="datetimeFigureOut">
               <a:rPr lang="zh-CN" altLang="en-US" smtClean="0"/>
-              <a:t>2019/6/26</a:t>
+              <a:t>2019/6/27</a:t>
             </a:fld>
             <a:endParaRPr lang="zh-CN" altLang="en-US"/>
           </a:p>
@@ -2392,7 +2392,7 @@
           <a:p>
             <a:fld id="{E563215F-1B0C-42D9-87D4-445D022E5F64}" type="datetimeFigureOut">
               <a:rPr lang="zh-CN" altLang="en-US" smtClean="0"/>
-              <a:t>2019/6/26</a:t>
+              <a:t>2019/6/27</a:t>
             </a:fld>
             <a:endParaRPr lang="zh-CN" altLang="en-US"/>
           </a:p>
@@ -2505,7 +2505,7 @@
           <a:p>
             <a:fld id="{E563215F-1B0C-42D9-87D4-445D022E5F64}" type="datetimeFigureOut">
               <a:rPr lang="zh-CN" altLang="en-US" smtClean="0"/>
-              <a:t>2019/6/26</a:t>
+              <a:t>2019/6/27</a:t>
             </a:fld>
             <a:endParaRPr lang="zh-CN" altLang="en-US"/>
           </a:p>
@@ -2816,7 +2816,7 @@
           <a:p>
             <a:fld id="{E563215F-1B0C-42D9-87D4-445D022E5F64}" type="datetimeFigureOut">
               <a:rPr lang="zh-CN" altLang="en-US" smtClean="0"/>
-              <a:t>2019/6/26</a:t>
+              <a:t>2019/6/27</a:t>
             </a:fld>
             <a:endParaRPr lang="zh-CN" altLang="en-US"/>
           </a:p>
@@ -3104,7 +3104,7 @@
           <a:p>
             <a:fld id="{E563215F-1B0C-42D9-87D4-445D022E5F64}" type="datetimeFigureOut">
               <a:rPr lang="zh-CN" altLang="en-US" smtClean="0"/>
-              <a:t>2019/6/26</a:t>
+              <a:t>2019/6/27</a:t>
             </a:fld>
             <a:endParaRPr lang="zh-CN" altLang="en-US"/>
           </a:p>
@@ -3345,7 +3345,7 @@
           <a:p>
             <a:fld id="{E563215F-1B0C-42D9-87D4-445D022E5F64}" type="datetimeFigureOut">
               <a:rPr lang="zh-CN" altLang="en-US" smtClean="0"/>
-              <a:t>2019/6/26</a:t>
+              <a:t>2019/6/27</a:t>
             </a:fld>
             <a:endParaRPr lang="zh-CN" altLang="en-US"/>
           </a:p>
@@ -4441,7 +4441,7 @@
             <a:pPr algn="ctr"/>
             <a:r>
               <a:rPr lang="en-US" altLang="zh-CN" sz="1400" b="1" dirty="0"/>
-              <a:t>Rec-Engine</a:t>
+              <a:t>Rec-Engine (Spark)</a:t>
             </a:r>
             <a:endParaRPr lang="zh-CN" altLang="en-US" sz="1400" b="1" dirty="0"/>
           </a:p>
@@ -4461,8 +4461,8 @@
         </p:nvSpPr>
         <p:spPr>
           <a:xfrm>
-            <a:off x="1907204" y="5774359"/>
-            <a:ext cx="699908" cy="375303"/>
+            <a:off x="1583466" y="5765135"/>
+            <a:ext cx="1163340" cy="375303"/>
           </a:xfrm>
           <a:prstGeom prst="snip2DiagRect">
             <a:avLst/>
@@ -4499,7 +4499,7 @@
             <a:pPr algn="ctr"/>
             <a:r>
               <a:rPr lang="en-US" altLang="zh-CN" sz="1400" dirty="0"/>
-              <a:t>Beam</a:t>
+              <a:t>ML Pipeline</a:t>
             </a:r>
             <a:endParaRPr lang="zh-CN" altLang="en-US" sz="1400" dirty="0"/>
           </a:p>
@@ -4759,8 +4759,8 @@
         </p:nvSpPr>
         <p:spPr>
           <a:xfrm>
-            <a:off x="7535959" y="4809200"/>
-            <a:ext cx="754988" cy="375303"/>
+            <a:off x="7535959" y="4802850"/>
+            <a:ext cx="754988" cy="385046"/>
           </a:xfrm>
           <a:prstGeom prst="snip2SameRect">
             <a:avLst/>
@@ -4936,12 +4936,12 @@
         <p:spPr>
           <a:xfrm flipH="1" flipV="1">
             <a:off x="7651309" y="3643110"/>
-            <a:ext cx="639638" cy="1353742"/>
+            <a:ext cx="639638" cy="1352263"/>
           </a:xfrm>
           <a:prstGeom prst="bentConnector5">
             <a:avLst>
               <a:gd name="adj1" fmla="val -35739"/>
-              <a:gd name="adj2" fmla="val 47501"/>
+              <a:gd name="adj2" fmla="val 47679"/>
               <a:gd name="adj3" fmla="val 135739"/>
             </a:avLst>
           </a:prstGeom>
@@ -5826,8 +5826,8 @@
         </p:nvCxnSpPr>
         <p:spPr>
           <a:xfrm rot="16200000" flipH="1">
-            <a:off x="1409865" y="5464672"/>
-            <a:ext cx="426800" cy="567877"/>
+            <a:off x="1252608" y="5621929"/>
+            <a:ext cx="417576" cy="244139"/>
           </a:xfrm>
           <a:prstGeom prst="bentConnector2">
             <a:avLst/>
@@ -6132,8 +6132,8 @@
         </p:nvCxnSpPr>
         <p:spPr>
           <a:xfrm flipV="1">
-            <a:off x="2607112" y="5614709"/>
-            <a:ext cx="580319" cy="347302"/>
+            <a:off x="2746806" y="5614709"/>
+            <a:ext cx="440625" cy="338078"/>
           </a:xfrm>
           <a:prstGeom prst="bentConnector3">
             <a:avLst>
@@ -6241,7 +6241,7 @@
         <p:spPr>
           <a:xfrm>
             <a:off x="7001376" y="4801580"/>
-            <a:ext cx="534583" cy="195272"/>
+            <a:ext cx="534583" cy="193793"/>
           </a:xfrm>
           <a:prstGeom prst="bentConnector3">
             <a:avLst>
@@ -6290,12 +6290,12 @@
         </p:nvCxnSpPr>
         <p:spPr>
           <a:xfrm flipV="1">
-            <a:off x="7009828" y="4996852"/>
-            <a:ext cx="526131" cy="197397"/>
+            <a:off x="7009828" y="4995373"/>
+            <a:ext cx="526131" cy="198876"/>
           </a:xfrm>
           <a:prstGeom prst="bentConnector3">
             <a:avLst>
-              <a:gd name="adj1" fmla="val 50001"/>
+              <a:gd name="adj1" fmla="val 50000"/>
             </a:avLst>
           </a:prstGeom>
           <a:ln w="44450">

--- a/pic/系统设计简图.pptx
+++ b/pic/系统设计简图.pptx
@@ -197,7 +197,7 @@
           <a:p>
             <a:fld id="{F7451BC5-8AC2-485C-AB9E-A164A9485D94}" type="datetimeFigureOut">
               <a:rPr lang="zh-CN" altLang="en-US" smtClean="0"/>
-              <a:t>2019/6/27</a:t>
+              <a:t>2019/6/29</a:t>
             </a:fld>
             <a:endParaRPr lang="zh-CN" altLang="en-US"/>
           </a:p>
@@ -695,7 +695,7 @@
           <a:p>
             <a:fld id="{E563215F-1B0C-42D9-87D4-445D022E5F64}" type="datetimeFigureOut">
               <a:rPr lang="zh-CN" altLang="en-US" smtClean="0"/>
-              <a:t>2019/6/27</a:t>
+              <a:t>2019/6/29</a:t>
             </a:fld>
             <a:endParaRPr lang="zh-CN" altLang="en-US"/>
           </a:p>
@@ -893,7 +893,7 @@
           <a:p>
             <a:fld id="{E563215F-1B0C-42D9-87D4-445D022E5F64}" type="datetimeFigureOut">
               <a:rPr lang="zh-CN" altLang="en-US" smtClean="0"/>
-              <a:t>2019/6/27</a:t>
+              <a:t>2019/6/29</a:t>
             </a:fld>
             <a:endParaRPr lang="zh-CN" altLang="en-US"/>
           </a:p>
@@ -1101,7 +1101,7 @@
           <a:p>
             <a:fld id="{E563215F-1B0C-42D9-87D4-445D022E5F64}" type="datetimeFigureOut">
               <a:rPr lang="zh-CN" altLang="en-US" smtClean="0"/>
-              <a:t>2019/6/27</a:t>
+              <a:t>2019/6/29</a:t>
             </a:fld>
             <a:endParaRPr lang="zh-CN" altLang="en-US"/>
           </a:p>
@@ -1299,7 +1299,7 @@
           <a:p>
             <a:fld id="{E563215F-1B0C-42D9-87D4-445D022E5F64}" type="datetimeFigureOut">
               <a:rPr lang="zh-CN" altLang="en-US" smtClean="0"/>
-              <a:t>2019/6/27</a:t>
+              <a:t>2019/6/29</a:t>
             </a:fld>
             <a:endParaRPr lang="zh-CN" altLang="en-US"/>
           </a:p>
@@ -1574,7 +1574,7 @@
           <a:p>
             <a:fld id="{E563215F-1B0C-42D9-87D4-445D022E5F64}" type="datetimeFigureOut">
               <a:rPr lang="zh-CN" altLang="en-US" smtClean="0"/>
-              <a:t>2019/6/27</a:t>
+              <a:t>2019/6/29</a:t>
             </a:fld>
             <a:endParaRPr lang="zh-CN" altLang="en-US"/>
           </a:p>
@@ -1839,7 +1839,7 @@
           <a:p>
             <a:fld id="{E563215F-1B0C-42D9-87D4-445D022E5F64}" type="datetimeFigureOut">
               <a:rPr lang="zh-CN" altLang="en-US" smtClean="0"/>
-              <a:t>2019/6/27</a:t>
+              <a:t>2019/6/29</a:t>
             </a:fld>
             <a:endParaRPr lang="zh-CN" altLang="en-US"/>
           </a:p>
@@ -2251,7 +2251,7 @@
           <a:p>
             <a:fld id="{E563215F-1B0C-42D9-87D4-445D022E5F64}" type="datetimeFigureOut">
               <a:rPr lang="zh-CN" altLang="en-US" smtClean="0"/>
-              <a:t>2019/6/27</a:t>
+              <a:t>2019/6/29</a:t>
             </a:fld>
             <a:endParaRPr lang="zh-CN" altLang="en-US"/>
           </a:p>
@@ -2392,7 +2392,7 @@
           <a:p>
             <a:fld id="{E563215F-1B0C-42D9-87D4-445D022E5F64}" type="datetimeFigureOut">
               <a:rPr lang="zh-CN" altLang="en-US" smtClean="0"/>
-              <a:t>2019/6/27</a:t>
+              <a:t>2019/6/29</a:t>
             </a:fld>
             <a:endParaRPr lang="zh-CN" altLang="en-US"/>
           </a:p>
@@ -2505,7 +2505,7 @@
           <a:p>
             <a:fld id="{E563215F-1B0C-42D9-87D4-445D022E5F64}" type="datetimeFigureOut">
               <a:rPr lang="zh-CN" altLang="en-US" smtClean="0"/>
-              <a:t>2019/6/27</a:t>
+              <a:t>2019/6/29</a:t>
             </a:fld>
             <a:endParaRPr lang="zh-CN" altLang="en-US"/>
           </a:p>
@@ -2816,7 +2816,7 @@
           <a:p>
             <a:fld id="{E563215F-1B0C-42D9-87D4-445D022E5F64}" type="datetimeFigureOut">
               <a:rPr lang="zh-CN" altLang="en-US" smtClean="0"/>
-              <a:t>2019/6/27</a:t>
+              <a:t>2019/6/29</a:t>
             </a:fld>
             <a:endParaRPr lang="zh-CN" altLang="en-US"/>
           </a:p>
@@ -3104,7 +3104,7 @@
           <a:p>
             <a:fld id="{E563215F-1B0C-42D9-87D4-445D022E5F64}" type="datetimeFigureOut">
               <a:rPr lang="zh-CN" altLang="en-US" smtClean="0"/>
-              <a:t>2019/6/27</a:t>
+              <a:t>2019/6/29</a:t>
             </a:fld>
             <a:endParaRPr lang="zh-CN" altLang="en-US"/>
           </a:p>
@@ -3345,7 +3345,7 @@
           <a:p>
             <a:fld id="{E563215F-1B0C-42D9-87D4-445D022E5F64}" type="datetimeFigureOut">
               <a:rPr lang="zh-CN" altLang="en-US" smtClean="0"/>
-              <a:t>2019/6/27</a:t>
+              <a:t>2019/6/29</a:t>
             </a:fld>
             <a:endParaRPr lang="zh-CN" altLang="en-US"/>
           </a:p>
@@ -3901,7 +3901,7 @@
         <p:spPr>
           <a:xfrm>
             <a:off x="861367" y="2578654"/>
-            <a:ext cx="2974644" cy="1428763"/>
+            <a:ext cx="4375520" cy="1428763"/>
           </a:xfrm>
           <a:prstGeom prst="round1Rect">
             <a:avLst/>
@@ -3942,7 +3942,7 @@
                   <a:schemeClr val="tx2"/>
                 </a:solidFill>
               </a:rPr>
-              <a:t>Real-Time Module (Kafka)</a:t>
+              <a:t>Real-Time Analysis Module</a:t>
             </a:r>
             <a:endParaRPr lang="zh-CN" altLang="en-US" sz="1400" b="1" dirty="0">
               <a:solidFill>
@@ -4528,8 +4528,8 @@
           </a:xfrm>
           <a:prstGeom prst="bentConnector4">
             <a:avLst>
-              <a:gd name="adj1" fmla="val 25127"/>
-              <a:gd name="adj2" fmla="val 111848"/>
+              <a:gd name="adj1" fmla="val 37625"/>
+              <a:gd name="adj2" fmla="val 111897"/>
             </a:avLst>
           </a:prstGeom>
           <a:ln w="57150">
@@ -4569,7 +4569,7 @@
         <p:spPr>
           <a:xfrm>
             <a:off x="984839" y="2915102"/>
-            <a:ext cx="2599053" cy="1056384"/>
+            <a:ext cx="3884341" cy="1056384"/>
           </a:xfrm>
           <a:prstGeom prst="rect">
             <a:avLst/>
@@ -4676,7 +4676,7 @@
             <a:pPr algn="ctr"/>
             <a:r>
               <a:rPr lang="en-US" altLang="zh-CN" sz="1100" b="1" dirty="0"/>
-              <a:t>Store Stream</a:t>
+              <a:t>Store Stream (Kafka)</a:t>
             </a:r>
             <a:endParaRPr lang="zh-CN" altLang="en-US" sz="1050" b="1" dirty="0"/>
           </a:p>
@@ -4730,16 +4730,16 @@
           <a:p>
             <a:pPr algn="ctr"/>
             <a:r>
-              <a:rPr lang="en-US" altLang="zh-CN" sz="1100" b="1" dirty="0"/>
+              <a:rPr lang="en-US" altLang="zh-CN" sz="1100" b="1"/>
               <a:t>Filtering</a:t>
             </a:r>
             <a:r>
-              <a:rPr lang="en-US" altLang="zh-CN" sz="1050" b="1" dirty="0"/>
+              <a:rPr lang="en-US" altLang="zh-CN" sz="1050" b="1"/>
               <a:t> </a:t>
             </a:r>
             <a:r>
-              <a:rPr lang="en-US" altLang="zh-CN" sz="1100" b="1" dirty="0"/>
-              <a:t>Logic</a:t>
+              <a:rPr lang="en-US" altLang="zh-CN" sz="1100" b="1"/>
+              <a:t>Logic (Storm)</a:t>
             </a:r>
             <a:endParaRPr lang="zh-CN" altLang="en-US" sz="1050" b="1" dirty="0"/>
           </a:p>
